--- a/ReactJS/lesson_22/Presentation/ES6_7.pptx
+++ b/ReactJS/lesson_22/Presentation/ES6_7.pptx
@@ -112,6 +112,22 @@
       </a:defRPr>
     </a:lvl9pPr>
   </p:defaultTextStyle>
+  <p:extLst>
+    <p:ext uri="{EFAFB233-063F-42B5-8137-9DF3F51BA10A}">
+      <p15:sldGuideLst xmlns:p15="http://schemas.microsoft.com/office/powerpoint/2012/main">
+        <p15:guide id="1" orient="horz" pos="2160">
+          <p15:clr>
+            <a:srgbClr val="A4A3A4"/>
+          </p15:clr>
+        </p15:guide>
+        <p15:guide id="2" pos="2880">
+          <p15:clr>
+            <a:srgbClr val="A4A3A4"/>
+          </p15:clr>
+        </p15:guide>
+      </p15:sldGuideLst>
+    </p:ext>
+  </p:extLst>
 </p:presentation>
 </file>
 
@@ -197,7 +213,7 @@
           <a:p>
             <a:fld id="{E26B27EB-47D6-4C6A-8EB0-BE2CD1DB03FD}" type="datetimeFigureOut">
               <a:rPr lang="uk-UA" smtClean="0"/>
-              <a:t>17.07.2016</a:t>
+              <a:t>11.09.2016</a:t>
             </a:fld>
             <a:endParaRPr lang="uk-UA"/>
           </a:p>
@@ -263,35 +279,35 @@
           <a:p>
             <a:pPr lvl="0"/>
             <a:r>
-              <a:rPr lang="ru-RU" smtClean="0"/>
+              <a:rPr lang="ru-RU"/>
               <a:t>Образец текста</a:t>
             </a:r>
           </a:p>
           <a:p>
             <a:pPr lvl="1"/>
             <a:r>
-              <a:rPr lang="ru-RU" smtClean="0"/>
+              <a:rPr lang="ru-RU"/>
               <a:t>Второй уровень</a:t>
             </a:r>
           </a:p>
           <a:p>
             <a:pPr lvl="2"/>
             <a:r>
-              <a:rPr lang="ru-RU" smtClean="0"/>
+              <a:rPr lang="ru-RU"/>
               <a:t>Третий уровень</a:t>
             </a:r>
           </a:p>
           <a:p>
             <a:pPr lvl="3"/>
             <a:r>
-              <a:rPr lang="ru-RU" smtClean="0"/>
+              <a:rPr lang="ru-RU"/>
               <a:t>Четвертый уровень</a:t>
             </a:r>
           </a:p>
           <a:p>
             <a:pPr lvl="4"/>
             <a:r>
-              <a:rPr lang="ru-RU" smtClean="0"/>
+              <a:rPr lang="ru-RU"/>
               <a:t>Пятый уровень</a:t>
             </a:r>
             <a:endParaRPr lang="uk-UA"/>
@@ -517,10 +533,9 @@
           </a:lstStyle>
           <a:p>
             <a:r>
-              <a:rPr lang="en-US" dirty="0" smtClean="0"/>
+              <a:rPr lang="en-US" dirty="0"/>
               <a:t>title style</a:t>
             </a:r>
-            <a:endParaRPr lang="en-US" dirty="0"/>
           </a:p>
         </p:txBody>
       </p:sp>
@@ -640,7 +655,7 @@
           </a:lstStyle>
           <a:p>
             <a:r>
-              <a:rPr lang="ru-RU" smtClean="0"/>
+              <a:rPr lang="ru-RU"/>
               <a:t>Образец подзаголовка</a:t>
             </a:r>
             <a:endParaRPr lang="en-US" dirty="0"/>
@@ -969,20 +984,13 @@
     </p:spTree>
     <p:extLst>
       <p:ext uri="{BB962C8B-B14F-4D97-AF65-F5344CB8AC3E}">
-        <p14:creationId xmlns="" xmlns:p14="http://schemas.microsoft.com/office/powerpoint/2010/main" val="3537187278"/>
+        <p14:creationId xmlns:p14="http://schemas.microsoft.com/office/powerpoint/2010/main" val="3537187278"/>
       </p:ext>
     </p:extLst>
   </p:cSld>
   <p:clrMapOvr>
     <a:overrideClrMapping bg1="lt1" tx1="dk1" bg2="lt2" tx2="dk2" accent1="accent1" accent2="accent2" accent3="accent3" accent4="accent4" accent5="accent5" accent6="accent6" hlink="hlink" folHlink="folHlink"/>
   </p:clrMapOvr>
-  <p:timing>
-    <p:tnLst>
-      <p:par>
-        <p:cTn id="1" dur="indefinite" restart="never" nodeType="tmRoot"/>
-      </p:par>
-    </p:tnLst>
-  </p:timing>
 </p:sldLayout>
 </file>
 
@@ -1015,7 +1023,7 @@
           <a:blip r:embed="rId2" cstate="print">
             <a:extLst>
               <a:ext uri="{28A0092B-C50C-407E-A947-70E740481C1C}">
-                <a14:useLocalDpi xmlns="" xmlns:a14="http://schemas.microsoft.com/office/drawing/2010/main" val="0"/>
+                <a14:useLocalDpi xmlns:a14="http://schemas.microsoft.com/office/drawing/2010/main" val="0"/>
               </a:ext>
             </a:extLst>
           </a:blip>
@@ -1039,14 +1047,14 @@
           <a:effectLst/>
           <a:extLst>
             <a:ext uri="{909E8E84-426E-40DD-AFC4-6F175D3DCCD1}">
-              <a14:hiddenFill xmlns="" xmlns:a14="http://schemas.microsoft.com/office/drawing/2010/main">
+              <a14:hiddenFill xmlns:a14="http://schemas.microsoft.com/office/drawing/2010/main">
                 <a:solidFill>
                   <a:schemeClr val="accent1"/>
                 </a:solidFill>
               </a14:hiddenFill>
             </a:ext>
             <a:ext uri="{91240B29-F687-4F45-9708-019B960494DF}">
-              <a14:hiddenLine xmlns="" xmlns:a14="http://schemas.microsoft.com/office/drawing/2010/main" w="9525">
+              <a14:hiddenLine xmlns:a14="http://schemas.microsoft.com/office/drawing/2010/main" w="9525">
                 <a:solidFill>
                   <a:schemeClr val="tx1"/>
                 </a:solidFill>
@@ -1056,7 +1064,7 @@
               </a14:hiddenLine>
             </a:ext>
             <a:ext uri="{AF507438-7753-43E0-B8FC-AC1667EBCBE1}">
-              <a14:hiddenEffects xmlns="" xmlns:a14="http://schemas.microsoft.com/office/drawing/2010/main">
+              <a14:hiddenEffects xmlns:a14="http://schemas.microsoft.com/office/drawing/2010/main">
                 <a:effectLst>
                   <a:outerShdw dist="35921" dir="2700000" algn="ctr" rotWithShape="0">
                     <a:schemeClr val="bg2"/>
@@ -1151,7 +1159,7 @@
           </a:lstStyle>
           <a:p>
             <a:r>
-              <a:rPr lang="ru-RU" smtClean="0"/>
+              <a:rPr lang="ru-RU"/>
               <a:t>Образец заголовка</a:t>
             </a:r>
             <a:endParaRPr lang="en-US" dirty="0"/>
@@ -1188,7 +1196,7 @@
           <a:p>
             <a:pPr lvl="4"/>
             <a:r>
-              <a:rPr lang="en-US" dirty="0" smtClean="0"/>
+              <a:rPr lang="en-US" dirty="0"/>
               <a:t>Subtitle</a:t>
             </a:r>
           </a:p>
@@ -1197,20 +1205,13 @@
     </p:spTree>
     <p:extLst>
       <p:ext uri="{BB962C8B-B14F-4D97-AF65-F5344CB8AC3E}">
-        <p14:creationId xmlns="" xmlns:p14="http://schemas.microsoft.com/office/powerpoint/2010/main" val="2097366919"/>
+        <p14:creationId xmlns:p14="http://schemas.microsoft.com/office/powerpoint/2010/main" val="2097366919"/>
       </p:ext>
     </p:extLst>
   </p:cSld>
   <p:clrMapOvr>
     <a:masterClrMapping/>
   </p:clrMapOvr>
-  <p:timing>
-    <p:tnLst>
-      <p:par>
-        <p:cTn id="1" dur="indefinite" restart="never" nodeType="tmRoot"/>
-      </p:par>
-    </p:tnLst>
-  </p:timing>
 </p:sldLayout>
 </file>
 
@@ -1719,7 +1720,7 @@
     </p:spTree>
     <p:extLst>
       <p:ext uri="{BB962C8B-B14F-4D97-AF65-F5344CB8AC3E}">
-        <p14:creationId xmlns="" xmlns:p14="http://schemas.microsoft.com/office/powerpoint/2010/main" val="3537187278"/>
+        <p14:creationId xmlns:p14="http://schemas.microsoft.com/office/powerpoint/2010/main" val="3537187278"/>
       </p:ext>
     </p:extLst>
   </p:cSld>
@@ -1777,7 +1778,7 @@
           <a:lstStyle/>
           <a:p>
             <a:r>
-              <a:rPr lang="ru-RU" smtClean="0"/>
+              <a:rPr lang="ru-RU"/>
               <a:t>Образец заголовка</a:t>
             </a:r>
             <a:endParaRPr lang="en-US"/>
@@ -1787,7 +1788,7 @@
     </p:spTree>
     <p:extLst>
       <p:ext uri="{BB962C8B-B14F-4D97-AF65-F5344CB8AC3E}">
-        <p14:creationId xmlns="" xmlns:p14="http://schemas.microsoft.com/office/powerpoint/2010/main" val="779007194"/>
+        <p14:creationId xmlns:p14="http://schemas.microsoft.com/office/powerpoint/2010/main" val="779007194"/>
       </p:ext>
     </p:extLst>
   </p:cSld>
@@ -1797,13 +1798,6 @@
     <p:sldLayoutId id="2147483664" r:id="rId2"/>
     <p:sldLayoutId id="2147483665" r:id="rId3"/>
   </p:sldLayoutIdLst>
-  <p:timing>
-    <p:tnLst>
-      <p:par>
-        <p:cTn id="1" dur="indefinite" restart="never" nodeType="tmRoot"/>
-      </p:par>
-    </p:tnLst>
-  </p:timing>
   <p:txStyles>
     <p:titleStyle>
       <a:lvl1pPr algn="ctr" defTabSz="914400" rtl="0" eaLnBrk="1" latinLnBrk="0" hangingPunct="1">
@@ -2133,7 +2127,7 @@
         <p:spPr>
           <a:xfrm>
             <a:off x="1097280" y="3627317"/>
-            <a:ext cx="6583680" cy="507831"/>
+            <a:ext cx="4023360" cy="507831"/>
           </a:xfrm>
         </p:spPr>
         <p:txBody>
@@ -2143,7 +2137,7 @@
           <a:lstStyle/>
           <a:p>
             <a:r>
-              <a:rPr lang="en-US" sz="2700" dirty="0" smtClean="0">
+              <a:rPr lang="en-US" sz="2700" dirty="0">
                 <a:solidFill>
                   <a:schemeClr val="bg1"/>
                 </a:solidFill>
@@ -2151,18 +2145,7 @@
                 <a:ea typeface="Roboto Thin" panose="02000000000000000000" pitchFamily="2" charset="0"/>
                 <a:cs typeface="Roboto Thin" panose="02000000000000000000" pitchFamily="2" charset="0"/>
               </a:rPr>
-              <a:t>React </a:t>
-            </a:r>
-            <a:r>
-              <a:rPr lang="en-US" sz="2700" dirty="0" smtClean="0">
-                <a:solidFill>
-                  <a:schemeClr val="bg1"/>
-                </a:solidFill>
-                <a:latin typeface="Roboto Thin" panose="02000000000000000000" pitchFamily="2" charset="0"/>
-                <a:ea typeface="Roboto Thin" panose="02000000000000000000" pitchFamily="2" charset="0"/>
-                <a:cs typeface="Roboto Thin" panose="02000000000000000000" pitchFamily="2" charset="0"/>
-              </a:rPr>
-              <a:t>JS</a:t>
+              <a:t>React JS</a:t>
             </a:r>
             <a:endParaRPr lang="en-US" dirty="0">
               <a:solidFill>
@@ -2177,214 +2160,51 @@
       </p:sp>
       <p:sp>
         <p:nvSpPr>
-          <p:cNvPr id="6" name="Subtitle 2"/>
-          <p:cNvSpPr txBox="1">
-            <a:spLocks/>
-          </p:cNvSpPr>
+          <p:cNvPr id="5" name="TextBox 4"/>
+          <p:cNvSpPr txBox="1"/>
           <p:nvPr/>
         </p:nvSpPr>
         <p:spPr>
           <a:xfrm>
-            <a:off x="806449" y="1281006"/>
-            <a:ext cx="6322695" cy="507831"/>
+            <a:off x="976312" y="4217802"/>
+            <a:ext cx="7340103" cy="769441"/>
           </a:xfrm>
           <a:prstGeom prst="rect">
             <a:avLst/>
           </a:prstGeom>
-        </p:spPr>
-        <p:txBody>
-          <a:bodyPr wrap="square">
+          <a:noFill/>
+        </p:spPr>
+        <p:txBody>
+          <a:bodyPr wrap="square" rtlCol="0">
             <a:spAutoFit/>
           </a:bodyPr>
-          <a:lstStyle>
-            <a:lvl1pPr marL="0" indent="0" algn="l" defTabSz="914400" rtl="0" eaLnBrk="1" latinLnBrk="0" hangingPunct="1">
-              <a:spcBef>
-                <a:spcPct val="20000"/>
-              </a:spcBef>
-              <a:buFont typeface="Arial" pitchFamily="34" charset="0"/>
-              <a:buNone/>
-              <a:defRPr sz="3200" kern="1200">
+          <a:lstStyle/>
+          <a:p>
+            <a:r>
+              <a:rPr lang="en-US" sz="4400" dirty="0">
                 <a:solidFill>
-                  <a:schemeClr val="tx1">
-                    <a:tint val="75000"/>
-                  </a:schemeClr>
+                  <a:srgbClr val="7564BC"/>
                 </a:solidFill>
-                <a:latin typeface="+mj-lt"/>
-                <a:ea typeface="+mn-ea"/>
-                <a:cs typeface="+mn-cs"/>
-              </a:defRPr>
-            </a:lvl1pPr>
-            <a:lvl2pPr marL="457200" indent="0" algn="ctr" defTabSz="914400" rtl="0" eaLnBrk="1" latinLnBrk="0" hangingPunct="1">
-              <a:spcBef>
-                <a:spcPct val="20000"/>
-              </a:spcBef>
-              <a:buFont typeface="Arial" pitchFamily="34" charset="0"/>
-              <a:buNone/>
-              <a:defRPr sz="2800" kern="1200">
-                <a:solidFill>
-                  <a:schemeClr val="tx1">
-                    <a:tint val="75000"/>
-                  </a:schemeClr>
-                </a:solidFill>
-                <a:latin typeface="+mn-lt"/>
-                <a:ea typeface="+mn-ea"/>
-                <a:cs typeface="+mn-cs"/>
-              </a:defRPr>
-            </a:lvl2pPr>
-            <a:lvl3pPr marL="914400" indent="0" algn="ctr" defTabSz="914400" rtl="0" eaLnBrk="1" latinLnBrk="0" hangingPunct="1">
-              <a:spcBef>
-                <a:spcPct val="20000"/>
-              </a:spcBef>
-              <a:buFont typeface="Arial" pitchFamily="34" charset="0"/>
-              <a:buNone/>
-              <a:defRPr sz="2400" kern="1200">
-                <a:solidFill>
-                  <a:schemeClr val="tx1">
-                    <a:tint val="75000"/>
-                  </a:schemeClr>
-                </a:solidFill>
-                <a:latin typeface="+mn-lt"/>
-                <a:ea typeface="+mn-ea"/>
-                <a:cs typeface="+mn-cs"/>
-              </a:defRPr>
-            </a:lvl3pPr>
-            <a:lvl4pPr marL="1371600" indent="0" algn="ctr" defTabSz="914400" rtl="0" eaLnBrk="1" latinLnBrk="0" hangingPunct="1">
-              <a:spcBef>
-                <a:spcPct val="20000"/>
-              </a:spcBef>
-              <a:buFont typeface="Arial" pitchFamily="34" charset="0"/>
-              <a:buNone/>
-              <a:defRPr sz="2000" kern="1200">
-                <a:solidFill>
-                  <a:schemeClr val="tx1">
-                    <a:tint val="75000"/>
-                  </a:schemeClr>
-                </a:solidFill>
-                <a:latin typeface="+mn-lt"/>
-                <a:ea typeface="+mn-ea"/>
-                <a:cs typeface="+mn-cs"/>
-              </a:defRPr>
-            </a:lvl4pPr>
-            <a:lvl5pPr marL="1828800" indent="0" algn="ctr" defTabSz="914400" rtl="0" eaLnBrk="1" latinLnBrk="0" hangingPunct="1">
-              <a:spcBef>
-                <a:spcPct val="20000"/>
-              </a:spcBef>
-              <a:buFont typeface="Arial" pitchFamily="34" charset="0"/>
-              <a:buNone/>
-              <a:defRPr sz="2000" kern="1200">
-                <a:solidFill>
-                  <a:schemeClr val="tx1">
-                    <a:tint val="75000"/>
-                  </a:schemeClr>
-                </a:solidFill>
-                <a:latin typeface="+mn-lt"/>
-                <a:ea typeface="+mn-ea"/>
-                <a:cs typeface="+mn-cs"/>
-              </a:defRPr>
-            </a:lvl5pPr>
-            <a:lvl6pPr marL="2286000" indent="0" algn="ctr" defTabSz="914400" rtl="0" eaLnBrk="1" latinLnBrk="0" hangingPunct="1">
-              <a:spcBef>
-                <a:spcPct val="20000"/>
-              </a:spcBef>
-              <a:buFont typeface="Arial" pitchFamily="34" charset="0"/>
-              <a:buNone/>
-              <a:defRPr sz="2000" kern="1200">
-                <a:solidFill>
-                  <a:schemeClr val="tx1">
-                    <a:tint val="75000"/>
-                  </a:schemeClr>
-                </a:solidFill>
-                <a:latin typeface="+mn-lt"/>
-                <a:ea typeface="+mn-ea"/>
-                <a:cs typeface="+mn-cs"/>
-              </a:defRPr>
-            </a:lvl6pPr>
-            <a:lvl7pPr marL="2743200" indent="0" algn="ctr" defTabSz="914400" rtl="0" eaLnBrk="1" latinLnBrk="0" hangingPunct="1">
-              <a:spcBef>
-                <a:spcPct val="20000"/>
-              </a:spcBef>
-              <a:buFont typeface="Arial" pitchFamily="34" charset="0"/>
-              <a:buNone/>
-              <a:defRPr sz="2000" kern="1200">
-                <a:solidFill>
-                  <a:schemeClr val="tx1">
-                    <a:tint val="75000"/>
-                  </a:schemeClr>
-                </a:solidFill>
-                <a:latin typeface="+mn-lt"/>
-                <a:ea typeface="+mn-ea"/>
-                <a:cs typeface="+mn-cs"/>
-              </a:defRPr>
-            </a:lvl7pPr>
-            <a:lvl8pPr marL="3200400" indent="0" algn="ctr" defTabSz="914400" rtl="0" eaLnBrk="1" latinLnBrk="0" hangingPunct="1">
-              <a:spcBef>
-                <a:spcPct val="20000"/>
-              </a:spcBef>
-              <a:buFont typeface="Arial" pitchFamily="34" charset="0"/>
-              <a:buNone/>
-              <a:defRPr sz="2000" kern="1200">
-                <a:solidFill>
-                  <a:schemeClr val="tx1">
-                    <a:tint val="75000"/>
-                  </a:schemeClr>
-                </a:solidFill>
-                <a:latin typeface="+mn-lt"/>
-                <a:ea typeface="+mn-ea"/>
-                <a:cs typeface="+mn-cs"/>
-              </a:defRPr>
-            </a:lvl8pPr>
-            <a:lvl9pPr marL="3657600" indent="0" algn="ctr" defTabSz="914400" rtl="0" eaLnBrk="1" latinLnBrk="0" hangingPunct="1">
-              <a:spcBef>
-                <a:spcPct val="20000"/>
-              </a:spcBef>
-              <a:buFont typeface="Arial" pitchFamily="34" charset="0"/>
-              <a:buNone/>
-              <a:defRPr sz="2000" kern="1200">
-                <a:solidFill>
-                  <a:schemeClr val="tx1">
-                    <a:tint val="75000"/>
-                  </a:schemeClr>
-                </a:solidFill>
-                <a:latin typeface="+mn-lt"/>
-                <a:ea typeface="+mn-ea"/>
-                <a:cs typeface="+mn-cs"/>
-              </a:defRPr>
-            </a:lvl9pPr>
-          </a:lstStyle>
-          <a:p>
-            <a:r>
-              <a:rPr lang="en-US" sz="2700" dirty="0">
-                <a:solidFill>
-                  <a:schemeClr val="tx1">
-                    <a:lumMod val="90000"/>
-                    <a:lumOff val="10000"/>
-                  </a:schemeClr>
-                </a:solidFill>
-                <a:latin typeface="Roboto Light" panose="02000000000000000000" pitchFamily="2" charset="0"/>
-                <a:ea typeface="Roboto Light" panose="02000000000000000000" pitchFamily="2" charset="0"/>
-                <a:cs typeface="Roboto Light" panose="02000000000000000000" pitchFamily="2" charset="0"/>
-              </a:rPr>
-              <a:t>The JavaScript Programming Language</a:t>
-            </a:r>
+                <a:latin typeface="Calibri Light" panose="020F0302020204030204" pitchFamily="34" charset="0"/>
+              </a:rPr>
+              <a:t>EcmaScript6/7</a:t>
+            </a:r>
+            <a:endParaRPr lang="en-US" dirty="0">
+              <a:latin typeface="Calibri Light" panose="020F0302020204030204" pitchFamily="34" charset="0"/>
+            </a:endParaRPr>
           </a:p>
         </p:txBody>
       </p:sp>
       <p:pic>
         <p:nvPicPr>
-          <p:cNvPr id="1028" name="Picture 4" descr="C:\Users\Darick\Desktop\Mmww2.png"/>
+          <p:cNvPr id="8" name="Picture 7" descr="http://moduscreate.com/wp-content/uploads/2014/03/react-opti.png"/>
           <p:cNvPicPr>
             <a:picLocks noChangeAspect="1" noChangeArrowheads="1"/>
           </p:cNvPicPr>
           <p:nvPr/>
         </p:nvPicPr>
         <p:blipFill>
-          <a:blip r:embed="rId2" cstate="print">
-            <a:extLst>
-              <a:ext uri="{28A0092B-C50C-407E-A947-70E740481C1C}">
-                <a14:useLocalDpi xmlns="" xmlns:a14="http://schemas.microsoft.com/office/drawing/2010/main" val="0"/>
-              </a:ext>
-            </a:extLst>
-          </a:blip>
+          <a:blip r:embed="rId2" cstate="print"/>
           <a:srcRect/>
           <a:stretch>
             <a:fillRect/>
@@ -2392,62 +2212,19 @@
         </p:blipFill>
         <p:spPr bwMode="auto">
           <a:xfrm>
-            <a:off x="1" y="698501"/>
-            <a:ext cx="809625" cy="1079500"/>
+            <a:off x="976312" y="1556792"/>
+            <a:ext cx="3613398" cy="1005729"/>
           </a:xfrm>
           <a:prstGeom prst="rect">
             <a:avLst/>
           </a:prstGeom>
           <a:noFill/>
-          <a:extLst>
-            <a:ext uri="{909E8E84-426E-40DD-AFC4-6F175D3DCCD1}">
-              <a14:hiddenFill xmlns="" xmlns:a14="http://schemas.microsoft.com/office/drawing/2010/main">
-                <a:solidFill>
-                  <a:srgbClr val="FFFFFF"/>
-                </a:solidFill>
-              </a14:hiddenFill>
-            </a:ext>
-          </a:extLst>
         </p:spPr>
       </p:pic>
-      <p:sp>
-        <p:nvSpPr>
-          <p:cNvPr id="5" name="TextBox 4"/>
-          <p:cNvSpPr txBox="1"/>
-          <p:nvPr/>
-        </p:nvSpPr>
-        <p:spPr>
-          <a:xfrm>
-            <a:off x="976312" y="4217802"/>
-            <a:ext cx="7340103" cy="769441"/>
-          </a:xfrm>
-          <a:prstGeom prst="rect">
-            <a:avLst/>
-          </a:prstGeom>
-          <a:noFill/>
-        </p:spPr>
-        <p:txBody>
-          <a:bodyPr wrap="square" rtlCol="0">
-            <a:spAutoFit/>
-          </a:bodyPr>
-          <a:lstStyle/>
-          <a:p>
-            <a:r>
-              <a:rPr lang="en-US" sz="4400" dirty="0" smtClean="0">
-                <a:solidFill>
-                  <a:srgbClr val="7564BC"/>
-                </a:solidFill>
-              </a:rPr>
-              <a:t>EcmaScript6/7</a:t>
-            </a:r>
-            <a:endParaRPr lang="en-US" dirty="0"/>
-          </a:p>
-        </p:txBody>
-      </p:sp>
     </p:spTree>
     <p:extLst>
       <p:ext uri="{BB962C8B-B14F-4D97-AF65-F5344CB8AC3E}">
-        <p14:creationId xmlns="" xmlns:p14="http://schemas.microsoft.com/office/powerpoint/2010/main" val="3436223543"/>
+        <p14:creationId xmlns:p14="http://schemas.microsoft.com/office/powerpoint/2010/main" val="3436223543"/>
       </p:ext>
     </p:extLst>
   </p:cSld>
@@ -2490,12 +2267,8 @@
           <a:lstStyle/>
           <a:p>
             <a:r>
-              <a:rPr lang="en-US" dirty="0" smtClean="0"/>
-              <a:t>l</a:t>
-            </a:r>
-            <a:r>
-              <a:rPr lang="en-US" dirty="0" smtClean="0"/>
-              <a:t>et, const</a:t>
+              <a:rPr lang="en-US" dirty="0"/>
+              <a:t>let, const</a:t>
             </a:r>
             <a:endParaRPr lang="uk-UA" dirty="0"/>
           </a:p>
@@ -2509,8 +2282,8 @@
         </p:nvSpPr>
         <p:spPr>
           <a:xfrm>
-            <a:off x="755576" y="1340768"/>
-            <a:ext cx="6768752" cy="830997"/>
+            <a:off x="788473" y="1342509"/>
+            <a:ext cx="7167903" cy="646331"/>
           </a:xfrm>
           <a:prstGeom prst="rect">
             <a:avLst/>
@@ -2524,78 +2297,66 @@
           <a:lstStyle/>
           <a:p>
             <a:r>
-              <a:rPr lang="ru-RU" sz="2400" dirty="0">
-                <a:latin typeface="Calibri" pitchFamily="34" charset="0"/>
-              </a:rPr>
-              <a:t>В </a:t>
-            </a:r>
-            <a:r>
-              <a:rPr lang="ru-RU" sz="2400" dirty="0" smtClean="0">
-                <a:latin typeface="Calibri" pitchFamily="34" charset="0"/>
-              </a:rPr>
-              <a:t>ES</a:t>
-            </a:r>
-            <a:r>
-              <a:rPr lang="en-US" sz="2400" dirty="0" smtClean="0">
+              <a:rPr lang="ru-RU" dirty="0">
+                <a:latin typeface="Calibri" pitchFamily="34" charset="0"/>
+              </a:rPr>
+              <a:t>В ES</a:t>
+            </a:r>
+            <a:r>
+              <a:rPr lang="en-US" dirty="0">
                 <a:latin typeface="Calibri" pitchFamily="34" charset="0"/>
               </a:rPr>
               <a:t>6</a:t>
             </a:r>
             <a:r>
-              <a:rPr lang="ru-RU" sz="2400" dirty="0" smtClean="0">
+              <a:rPr lang="ru-RU" dirty="0">
+                <a:latin typeface="Calibri" pitchFamily="34" charset="0"/>
+              </a:rPr>
+              <a:t> предусмотрены новые способы объявления переменных: через </a:t>
+            </a:r>
+            <a:r>
+              <a:rPr lang="ru-RU" b="1" dirty="0" err="1">
+                <a:latin typeface="Calibri" pitchFamily="34" charset="0"/>
+              </a:rPr>
+              <a:t>let</a:t>
+            </a:r>
+            <a:r>
+              <a:rPr lang="ru-RU" dirty="0">
+                <a:latin typeface="Calibri" pitchFamily="34" charset="0"/>
+              </a:rPr>
+              <a:t> и </a:t>
+            </a:r>
+            <a:r>
+              <a:rPr lang="ru-RU" b="1" dirty="0" err="1">
+                <a:latin typeface="Calibri" pitchFamily="34" charset="0"/>
+              </a:rPr>
+              <a:t>const</a:t>
+            </a:r>
+            <a:r>
+              <a:rPr lang="ru-RU" dirty="0">
+                <a:latin typeface="Calibri" pitchFamily="34" charset="0"/>
+              </a:rPr>
+              <a:t> вместо </a:t>
+            </a:r>
+            <a:r>
+              <a:rPr lang="ru-RU" dirty="0" err="1">
+                <a:latin typeface="Calibri" pitchFamily="34" charset="0"/>
+              </a:rPr>
+              <a:t>var</a:t>
+            </a:r>
+            <a:r>
+              <a:rPr lang="ru-RU" dirty="0">
+                <a:latin typeface="Calibri" pitchFamily="34" charset="0"/>
+              </a:rPr>
+              <a:t>.</a:t>
+            </a:r>
+            <a:r>
+              <a:rPr lang="en-US" dirty="0">
                 <a:latin typeface="Calibri" pitchFamily="34" charset="0"/>
               </a:rPr>
               <a:t> </a:t>
             </a:r>
-            <a:r>
-              <a:rPr lang="ru-RU" sz="2400" dirty="0">
-                <a:latin typeface="Calibri" pitchFamily="34" charset="0"/>
-              </a:rPr>
-              <a:t>предусмотрены новые способы объявления переменных: через </a:t>
-            </a:r>
-            <a:r>
-              <a:rPr lang="ru-RU" sz="2400" b="1" dirty="0" err="1" smtClean="0">
-                <a:latin typeface="Calibri" pitchFamily="34" charset="0"/>
-              </a:rPr>
-              <a:t>let</a:t>
-            </a:r>
-            <a:r>
-              <a:rPr lang="ru-RU" sz="2400" dirty="0">
-                <a:latin typeface="Calibri" pitchFamily="34" charset="0"/>
-              </a:rPr>
-              <a:t> и </a:t>
-            </a:r>
-            <a:r>
-              <a:rPr lang="ru-RU" sz="2400" b="1" dirty="0" err="1" smtClean="0">
-                <a:latin typeface="Calibri" pitchFamily="34" charset="0"/>
-              </a:rPr>
-              <a:t>const</a:t>
-            </a:r>
-            <a:r>
-              <a:rPr lang="ru-RU" sz="2400" dirty="0">
-                <a:latin typeface="Calibri" pitchFamily="34" charset="0"/>
-              </a:rPr>
-              <a:t> вместо </a:t>
-            </a:r>
-            <a:r>
-              <a:rPr lang="ru-RU" sz="2400" dirty="0" err="1" smtClean="0">
-                <a:latin typeface="Calibri" pitchFamily="34" charset="0"/>
-              </a:rPr>
-              <a:t>var</a:t>
-            </a:r>
-            <a:r>
-              <a:rPr lang="ru-RU" sz="2400" dirty="0" smtClean="0">
-                <a:latin typeface="Calibri" pitchFamily="34" charset="0"/>
-              </a:rPr>
-              <a:t>.</a:t>
-            </a:r>
-            <a:r>
-              <a:rPr lang="en-US" sz="2400" dirty="0" smtClean="0">
-                <a:latin typeface="Calibri" pitchFamily="34" charset="0"/>
-              </a:rPr>
-              <a:t> </a:t>
-            </a:r>
-            <a:endParaRPr lang="uk-UA" sz="2400" dirty="0">
+            <a:endParaRPr lang="uk-UA" dirty="0">
               <a:latin typeface="Calibri" pitchFamily="34" charset="0"/>
             </a:endParaRPr>
           </a:p>
@@ -2609,8 +2370,8 @@
         </p:nvSpPr>
         <p:spPr>
           <a:xfrm>
-            <a:off x="827584" y="2420888"/>
-            <a:ext cx="7776864" cy="2215991"/>
+            <a:off x="788473" y="2372975"/>
+            <a:ext cx="7776864" cy="2031325"/>
           </a:xfrm>
           <a:prstGeom prst="rect">
             <a:avLst/>
@@ -2624,68 +2385,56 @@
           <a:lstStyle/>
           <a:p>
             <a:r>
-              <a:rPr lang="ru-RU" sz="2000" dirty="0">
+              <a:rPr lang="ru-RU" dirty="0">
                 <a:latin typeface="Calibri" pitchFamily="34" charset="0"/>
               </a:rPr>
               <a:t>У объявлений переменной через</a:t>
             </a:r>
             <a:r>
-              <a:rPr lang="ru-RU" sz="2000" b="1" dirty="0">
+              <a:rPr lang="ru-RU" b="1" dirty="0">
                 <a:latin typeface="Calibri" pitchFamily="34" charset="0"/>
               </a:rPr>
               <a:t> </a:t>
             </a:r>
             <a:r>
-              <a:rPr lang="ru-RU" sz="2000" b="1" dirty="0" err="1" smtClean="0">
+              <a:rPr lang="ru-RU" b="1" dirty="0" err="1">
                 <a:latin typeface="Calibri" pitchFamily="34" charset="0"/>
               </a:rPr>
               <a:t>let</a:t>
             </a:r>
             <a:r>
-              <a:rPr lang="ru-RU" sz="2000" b="1" dirty="0">
+              <a:rPr lang="ru-RU" b="1" dirty="0">
                 <a:latin typeface="Calibri" pitchFamily="34" charset="0"/>
               </a:rPr>
               <a:t> </a:t>
             </a:r>
             <a:r>
-              <a:rPr lang="ru-RU" sz="2000" dirty="0">
-                <a:latin typeface="Calibri" pitchFamily="34" charset="0"/>
-              </a:rPr>
-              <a:t>есть три </a:t>
-            </a:r>
-            <a:r>
-              <a:rPr lang="ru-RU" sz="2000" dirty="0" smtClean="0">
-                <a:latin typeface="Calibri" pitchFamily="34" charset="0"/>
-              </a:rPr>
-              <a:t>отличия </a:t>
-            </a:r>
-            <a:r>
-              <a:rPr lang="ru-RU" sz="2000" dirty="0">
-                <a:latin typeface="Calibri" pitchFamily="34" charset="0"/>
-              </a:rPr>
-              <a:t>от </a:t>
-            </a:r>
-            <a:r>
-              <a:rPr lang="ru-RU" sz="2000" dirty="0" err="1" smtClean="0">
+              <a:rPr lang="ru-RU" dirty="0">
+                <a:latin typeface="Calibri" pitchFamily="34" charset="0"/>
+              </a:rPr>
+              <a:t>есть три отличия от </a:t>
+            </a:r>
+            <a:r>
+              <a:rPr lang="ru-RU" dirty="0" err="1">
                 <a:latin typeface="Calibri" pitchFamily="34" charset="0"/>
               </a:rPr>
               <a:t>var</a:t>
             </a:r>
             <a:r>
-              <a:rPr lang="ru-RU" sz="2000" dirty="0" smtClean="0">
+              <a:rPr lang="ru-RU" dirty="0">
                 <a:latin typeface="Calibri" pitchFamily="34" charset="0"/>
               </a:rPr>
               <a:t>:</a:t>
             </a:r>
             <a:r>
-              <a:rPr lang="en-US" sz="2000" dirty="0" smtClean="0">
+              <a:rPr lang="en-US" dirty="0">
                 <a:latin typeface="Calibri" pitchFamily="34" charset="0"/>
               </a:rPr>
               <a:t>  </a:t>
             </a:r>
           </a:p>
           <a:p>
-            <a:endParaRPr lang="en-US" sz="2000" dirty="0">
+            <a:endParaRPr lang="en-US" dirty="0">
               <a:latin typeface="Calibri" pitchFamily="34" charset="0"/>
             </a:endParaRPr>
           </a:p>
@@ -2695,50 +2444,35 @@
               <a:buChar char="•"/>
             </a:pPr>
             <a:r>
-              <a:rPr lang="en-US" sz="2000" dirty="0" smtClean="0">
+              <a:rPr lang="en-US" dirty="0">
                 <a:latin typeface="Calibri" pitchFamily="34" charset="0"/>
               </a:rPr>
               <a:t> </a:t>
             </a:r>
             <a:r>
-              <a:rPr lang="ru-RU" sz="2000" dirty="0" smtClean="0">
-                <a:latin typeface="Calibri" pitchFamily="34" charset="0"/>
-              </a:rPr>
-              <a:t>Область </a:t>
-            </a:r>
-            <a:r>
-              <a:rPr lang="ru-RU" sz="2000" dirty="0">
-                <a:latin typeface="Calibri" pitchFamily="34" charset="0"/>
-              </a:rPr>
-              <a:t>видимости переменной </a:t>
-            </a:r>
-            <a:r>
-              <a:rPr lang="ru-RU" sz="2000" dirty="0" err="1">
+              <a:rPr lang="ru-RU" dirty="0">
+                <a:latin typeface="Calibri" pitchFamily="34" charset="0"/>
+              </a:rPr>
+              <a:t>Область видимости переменной </a:t>
+            </a:r>
+            <a:r>
+              <a:rPr lang="ru-RU" dirty="0" err="1">
                 <a:latin typeface="Calibri" pitchFamily="34" charset="0"/>
               </a:rPr>
               <a:t>let</a:t>
             </a:r>
             <a:r>
-              <a:rPr lang="ru-RU" sz="2000" dirty="0">
-                <a:latin typeface="Calibri" pitchFamily="34" charset="0"/>
-              </a:rPr>
-              <a:t> – блок </a:t>
-            </a:r>
-            <a:r>
-              <a:rPr lang="ru-RU" sz="2000" dirty="0" smtClean="0">
-                <a:latin typeface="Calibri" pitchFamily="34" charset="0"/>
-              </a:rPr>
-              <a:t>{...}</a:t>
-            </a:r>
-            <a:r>
-              <a:rPr lang="en-US" sz="2000" dirty="0" smtClean="0">
+              <a:rPr lang="ru-RU" dirty="0">
+                <a:latin typeface="Calibri" pitchFamily="34" charset="0"/>
+              </a:rPr>
+              <a:t> – блок {...}</a:t>
+            </a:r>
+            <a:r>
+              <a:rPr lang="en-US" dirty="0">
                 <a:latin typeface="Calibri" pitchFamily="34" charset="0"/>
               </a:rPr>
               <a:t> </a:t>
             </a:r>
-            <a:endParaRPr lang="en-US" sz="2000" dirty="0">
-              <a:latin typeface="Calibri" pitchFamily="34" charset="0"/>
-            </a:endParaRPr>
           </a:p>
           <a:p>
             <a:pPr>
@@ -2746,38 +2480,35 @@
               <a:buChar char="•"/>
             </a:pPr>
             <a:r>
-              <a:rPr lang="en-US" sz="2000" dirty="0" smtClean="0">
+              <a:rPr lang="en-US" dirty="0">
                 <a:latin typeface="Calibri" pitchFamily="34" charset="0"/>
               </a:rPr>
               <a:t> </a:t>
             </a:r>
             <a:r>
-              <a:rPr lang="ru-RU" sz="2000" dirty="0" smtClean="0">
+              <a:rPr lang="ru-RU" dirty="0">
                 <a:latin typeface="Calibri" pitchFamily="34" charset="0"/>
               </a:rPr>
               <a:t>Переменная </a:t>
             </a:r>
             <a:r>
-              <a:rPr lang="ru-RU" sz="2000" dirty="0" err="1" smtClean="0">
+              <a:rPr lang="ru-RU" dirty="0" err="1">
                 <a:latin typeface="Calibri" pitchFamily="34" charset="0"/>
               </a:rPr>
               <a:t>let</a:t>
             </a:r>
             <a:r>
-              <a:rPr lang="ru-RU" sz="2000" dirty="0" smtClean="0">
+              <a:rPr lang="ru-RU" dirty="0">
                 <a:latin typeface="Calibri" pitchFamily="34" charset="0"/>
               </a:rPr>
               <a:t> видна только после объявления</a:t>
             </a:r>
             <a:r>
-              <a:rPr lang="en-US" sz="2000" dirty="0" smtClean="0">
+              <a:rPr lang="en-US" dirty="0">
                 <a:latin typeface="Calibri" pitchFamily="34" charset="0"/>
               </a:rPr>
               <a:t> </a:t>
             </a:r>
-            <a:endParaRPr lang="en-US" sz="2000" dirty="0">
-              <a:latin typeface="Calibri" pitchFamily="34" charset="0"/>
-            </a:endParaRPr>
           </a:p>
           <a:p>
             <a:pPr>
@@ -2785,18 +2516,18 @@
               <a:buChar char="•"/>
             </a:pPr>
             <a:r>
-              <a:rPr lang="en-US" sz="2000" dirty="0" smtClean="0">
+              <a:rPr lang="en-US" dirty="0">
                 <a:latin typeface="Calibri" pitchFamily="34" charset="0"/>
               </a:rPr>
               <a:t> </a:t>
             </a:r>
             <a:r>
-              <a:rPr lang="ru-RU" sz="2000" dirty="0" smtClean="0">
+              <a:rPr lang="ru-RU" dirty="0">
                 <a:latin typeface="Calibri" pitchFamily="34" charset="0"/>
               </a:rPr>
               <a:t>При использовании в цикле, для каждой итерации создаётся своя переменная.</a:t>
             </a:r>
-            <a:endParaRPr lang="en-US" sz="2000" dirty="0" smtClean="0">
+            <a:endParaRPr lang="en-US" dirty="0">
               <a:latin typeface="Calibri" pitchFamily="34" charset="0"/>
             </a:endParaRPr>
           </a:p>
@@ -2813,8 +2544,8 @@
         </p:nvSpPr>
         <p:spPr>
           <a:xfrm>
-            <a:off x="827584" y="4941168"/>
-            <a:ext cx="7704856" cy="1015663"/>
+            <a:off x="824477" y="4404300"/>
+            <a:ext cx="7704856" cy="646331"/>
           </a:xfrm>
           <a:prstGeom prst="rect">
             <a:avLst/>
@@ -2828,72 +2559,66 @@
           <a:lstStyle/>
           <a:p>
             <a:r>
-              <a:rPr lang="ru-RU" sz="2000" dirty="0">
+              <a:rPr lang="ru-RU" dirty="0">
                 <a:latin typeface="Calibri" pitchFamily="34" charset="0"/>
               </a:rPr>
               <a:t>Объявление</a:t>
             </a:r>
             <a:r>
-              <a:rPr lang="ru-RU" sz="2000" b="1" dirty="0">
+              <a:rPr lang="ru-RU" b="1" dirty="0">
                 <a:latin typeface="Calibri" pitchFamily="34" charset="0"/>
               </a:rPr>
               <a:t> </a:t>
             </a:r>
             <a:r>
-              <a:rPr lang="ru-RU" sz="2000" b="1" dirty="0" err="1" smtClean="0">
+              <a:rPr lang="ru-RU" b="1" dirty="0" err="1">
                 <a:latin typeface="Calibri" pitchFamily="34" charset="0"/>
               </a:rPr>
               <a:t>const</a:t>
             </a:r>
             <a:r>
-              <a:rPr lang="ru-RU" sz="2000" dirty="0">
-                <a:latin typeface="Calibri" pitchFamily="34" charset="0"/>
-              </a:rPr>
-              <a:t> задаёт константу, то есть переменную, которую нельзя </a:t>
-            </a:r>
-            <a:r>
-              <a:rPr lang="ru-RU" sz="2000" dirty="0" smtClean="0">
-                <a:latin typeface="Calibri" pitchFamily="34" charset="0"/>
-              </a:rPr>
-              <a:t>менять</a:t>
-            </a:r>
-            <a:r>
-              <a:rPr lang="en-US" sz="2000" dirty="0" smtClean="0">
+              <a:rPr lang="ru-RU" dirty="0">
+                <a:latin typeface="Calibri" pitchFamily="34" charset="0"/>
+              </a:rPr>
+              <a:t> задаёт константу, то есть переменную, которую нельзя менять</a:t>
+            </a:r>
+            <a:r>
+              <a:rPr lang="en-US" dirty="0">
                 <a:latin typeface="Calibri" pitchFamily="34" charset="0"/>
               </a:rPr>
               <a:t>. </a:t>
             </a:r>
             <a:r>
-              <a:rPr lang="ru-RU" sz="2000" dirty="0">
+              <a:rPr lang="ru-RU" dirty="0">
                 <a:latin typeface="Calibri" pitchFamily="34" charset="0"/>
               </a:rPr>
               <a:t>В остальном объявление </a:t>
             </a:r>
             <a:r>
-              <a:rPr lang="ru-RU" sz="2000" dirty="0" err="1" smtClean="0">
+              <a:rPr lang="ru-RU" dirty="0" err="1">
                 <a:latin typeface="Calibri" pitchFamily="34" charset="0"/>
               </a:rPr>
               <a:t>const</a:t>
             </a:r>
             <a:r>
-              <a:rPr lang="ru-RU" sz="2000" dirty="0">
+              <a:rPr lang="ru-RU" dirty="0">
                 <a:latin typeface="Calibri" pitchFamily="34" charset="0"/>
               </a:rPr>
               <a:t> полностью аналогично </a:t>
             </a:r>
             <a:r>
-              <a:rPr lang="ru-RU" sz="2000" dirty="0" err="1" smtClean="0">
+              <a:rPr lang="ru-RU" dirty="0" err="1">
                 <a:latin typeface="Calibri" pitchFamily="34" charset="0"/>
               </a:rPr>
               <a:t>let</a:t>
             </a:r>
             <a:r>
-              <a:rPr lang="ru-RU" sz="2000" dirty="0">
+              <a:rPr lang="ru-RU" dirty="0">
                 <a:latin typeface="Calibri" pitchFamily="34" charset="0"/>
               </a:rPr>
               <a:t>.</a:t>
             </a:r>
-            <a:endParaRPr lang="uk-UA" sz="2000" dirty="0">
+            <a:endParaRPr lang="uk-UA" dirty="0">
               <a:latin typeface="Calibri" pitchFamily="34" charset="0"/>
             </a:endParaRPr>
           </a:p>
@@ -2940,7 +2665,7 @@
           <a:lstStyle/>
           <a:p>
             <a:r>
-              <a:rPr lang="ru-RU" dirty="0" smtClean="0"/>
+              <a:rPr lang="ru-RU" dirty="0"/>
               <a:t>Деструктуризация </a:t>
             </a:r>
             <a:endParaRPr lang="uk-UA" dirty="0"/>
@@ -2956,7 +2681,7 @@
         <p:spPr>
           <a:xfrm>
             <a:off x="539552" y="1268760"/>
-            <a:ext cx="7848872" cy="3539430"/>
+            <a:ext cx="7848872" cy="1477328"/>
           </a:xfrm>
           <a:prstGeom prst="rect">
             <a:avLst/>
@@ -2970,104 +2695,78 @@
           <a:lstStyle/>
           <a:p>
             <a:r>
-              <a:rPr lang="ru-RU" sz="2400" i="1" dirty="0">
+              <a:rPr lang="ru-RU" i="1" dirty="0">
                 <a:latin typeface="Calibri" pitchFamily="34" charset="0"/>
               </a:rPr>
               <a:t>Деструктуризация</a:t>
             </a:r>
             <a:r>
-              <a:rPr lang="ru-RU" sz="2400" dirty="0">
+              <a:rPr lang="ru-RU" dirty="0">
                 <a:latin typeface="Calibri" pitchFamily="34" charset="0"/>
               </a:rPr>
               <a:t> (</a:t>
             </a:r>
             <a:r>
-              <a:rPr lang="ru-RU" sz="2400" dirty="0" err="1">
+              <a:rPr lang="ru-RU" dirty="0" err="1">
                 <a:latin typeface="Calibri" pitchFamily="34" charset="0"/>
               </a:rPr>
               <a:t>destructuring</a:t>
             </a:r>
             <a:r>
-              <a:rPr lang="ru-RU" sz="2400" dirty="0">
+              <a:rPr lang="ru-RU" dirty="0">
                 <a:latin typeface="Calibri" pitchFamily="34" charset="0"/>
               </a:rPr>
               <a:t> </a:t>
             </a:r>
             <a:r>
-              <a:rPr lang="ru-RU" sz="2400" dirty="0" err="1">
+              <a:rPr lang="ru-RU" dirty="0" err="1">
                 <a:latin typeface="Calibri" pitchFamily="34" charset="0"/>
               </a:rPr>
               <a:t>assignment</a:t>
             </a:r>
             <a:r>
-              <a:rPr lang="ru-RU" sz="2400" dirty="0">
-                <a:latin typeface="Calibri" pitchFamily="34" charset="0"/>
-              </a:rPr>
-              <a:t>) – это особый синтаксис присваивания, при котором можно присвоить массив или объект сразу нескольким переменным, разбив его на части</a:t>
-            </a:r>
-            <a:r>
-              <a:rPr lang="ru-RU" sz="2400" dirty="0" smtClean="0">
-                <a:latin typeface="Calibri" pitchFamily="34" charset="0"/>
-              </a:rPr>
-              <a:t>. </a:t>
-            </a:r>
-          </a:p>
-          <a:p>
-            <a:endParaRPr lang="ru-RU" sz="2400" dirty="0">
+              <a:rPr lang="ru-RU" dirty="0">
+                <a:latin typeface="Calibri" pitchFamily="34" charset="0"/>
+              </a:rPr>
+              <a:t>) – это особый синтаксис присваивания, при котором можно присвоить массив или объект сразу нескольким переменным, разбив его на части. </a:t>
+            </a:r>
+          </a:p>
+          <a:p>
+            <a:endParaRPr lang="ru-RU" dirty="0">
               <a:latin typeface="Calibri" pitchFamily="34" charset="0"/>
             </a:endParaRPr>
           </a:p>
           <a:p>
             <a:r>
-              <a:rPr lang="uk-UA" sz="2400" dirty="0">
+              <a:rPr lang="uk-UA" dirty="0">
                 <a:latin typeface="Calibri" pitchFamily="34" charset="0"/>
               </a:rPr>
               <a:t>Пример </a:t>
             </a:r>
             <a:r>
-              <a:rPr lang="uk-UA" sz="2400" dirty="0" err="1">
+              <a:rPr lang="uk-UA" dirty="0" err="1">
                 <a:latin typeface="Calibri" pitchFamily="34" charset="0"/>
               </a:rPr>
               <a:t>деструктуризации</a:t>
             </a:r>
             <a:r>
-              <a:rPr lang="uk-UA" sz="2400" dirty="0">
+              <a:rPr lang="uk-UA" dirty="0">
                 <a:latin typeface="Calibri" pitchFamily="34" charset="0"/>
               </a:rPr>
               <a:t> </a:t>
             </a:r>
             <a:r>
-              <a:rPr lang="uk-UA" sz="2400" dirty="0" err="1">
+              <a:rPr lang="uk-UA" dirty="0" err="1">
                 <a:latin typeface="Calibri" pitchFamily="34" charset="0"/>
               </a:rPr>
               <a:t>массива</a:t>
             </a:r>
             <a:r>
-              <a:rPr lang="uk-UA" sz="2400" dirty="0" smtClean="0">
+              <a:rPr lang="uk-UA" dirty="0">
                 <a:latin typeface="Calibri" pitchFamily="34" charset="0"/>
               </a:rPr>
               <a:t>:  </a:t>
             </a:r>
-          </a:p>
-          <a:p>
-            <a:endParaRPr lang="ru-RU" sz="2000" dirty="0">
-              <a:latin typeface="Calibri" pitchFamily="34" charset="0"/>
-            </a:endParaRPr>
-          </a:p>
-          <a:p>
-            <a:endParaRPr lang="uk-UA" sz="2000" dirty="0" smtClean="0">
-              <a:latin typeface="Calibri" pitchFamily="34" charset="0"/>
-            </a:endParaRPr>
-          </a:p>
-          <a:p>
-            <a:endParaRPr lang="ru-RU" sz="2000" dirty="0">
-              <a:latin typeface="Calibri" pitchFamily="34" charset="0"/>
-            </a:endParaRPr>
-          </a:p>
-          <a:p>
-            <a:endParaRPr lang="uk-UA" sz="2000" dirty="0">
-              <a:latin typeface="Calibri" pitchFamily="34" charset="0"/>
-            </a:endParaRPr>
           </a:p>
         </p:txBody>
       </p:sp>
@@ -3079,8 +2778,8 @@
         </p:nvSpPr>
         <p:spPr>
           <a:xfrm>
-            <a:off x="755576" y="3933056"/>
-            <a:ext cx="7272808" cy="1938992"/>
+            <a:off x="574366" y="3079808"/>
+            <a:ext cx="7848872" cy="1477328"/>
           </a:xfrm>
           <a:prstGeom prst="rect">
             <a:avLst/>
@@ -3107,139 +2806,125 @@
           <a:lstStyle/>
           <a:p>
             <a:r>
-              <a:rPr lang="en-US" sz="2400" dirty="0"/>
-              <a:t>'use strict';</a:t>
-            </a:r>
-            <a:r>
-              <a:rPr lang="en-US" sz="2400" dirty="0" smtClean="0"/>
+              <a:rPr lang="en-US" dirty="0">
+                <a:latin typeface="Calibri" panose="020F0502020204030204" pitchFamily="34" charset="0"/>
+              </a:rPr>
+              <a:t>'use strict'; </a:t>
+            </a:r>
+            <a:endParaRPr lang="ru-RU" dirty="0">
+              <a:latin typeface="Calibri" panose="020F0502020204030204" pitchFamily="34" charset="0"/>
+            </a:endParaRPr>
+          </a:p>
+          <a:p>
+            <a:endParaRPr lang="ru-RU" dirty="0">
+              <a:latin typeface="Calibri" panose="020F0502020204030204" pitchFamily="34" charset="0"/>
+            </a:endParaRPr>
+          </a:p>
+          <a:p>
+            <a:r>
+              <a:rPr lang="en-US" dirty="0">
+                <a:solidFill>
+                  <a:srgbClr val="0070C0"/>
+                </a:solidFill>
+                <a:latin typeface="Calibri" panose="020F0502020204030204" pitchFamily="34" charset="0"/>
+              </a:rPr>
+              <a:t>let</a:t>
+            </a:r>
+            <a:r>
+              <a:rPr lang="en-US" dirty="0">
+                <a:latin typeface="Calibri" panose="020F0502020204030204" pitchFamily="34" charset="0"/>
+              </a:rPr>
+              <a:t> [</a:t>
+            </a:r>
+            <a:r>
+              <a:rPr lang="en-US" dirty="0" err="1">
+                <a:latin typeface="Calibri" panose="020F0502020204030204" pitchFamily="34" charset="0"/>
+              </a:rPr>
+              <a:t>firstName</a:t>
+            </a:r>
+            <a:r>
+              <a:rPr lang="en-US" dirty="0">
+                <a:latin typeface="Calibri" panose="020F0502020204030204" pitchFamily="34" charset="0"/>
+              </a:rPr>
+              <a:t>, </a:t>
+            </a:r>
+            <a:r>
+              <a:rPr lang="en-US" dirty="0" err="1">
+                <a:latin typeface="Calibri" panose="020F0502020204030204" pitchFamily="34" charset="0"/>
+              </a:rPr>
+              <a:t>lastName</a:t>
+            </a:r>
+            <a:r>
+              <a:rPr lang="en-US" dirty="0">
+                <a:latin typeface="Calibri" panose="020F0502020204030204" pitchFamily="34" charset="0"/>
+              </a:rPr>
+              <a:t>] = ["</a:t>
+            </a:r>
+            <a:r>
+              <a:rPr lang="uk-UA" dirty="0">
+                <a:latin typeface="Calibri" panose="020F0502020204030204" pitchFamily="34" charset="0"/>
+              </a:rPr>
+              <a:t>Илья", "Кантор"];</a:t>
+            </a:r>
+            <a:endParaRPr lang="en-US" dirty="0">
+              <a:latin typeface="Calibri" panose="020F0502020204030204" pitchFamily="34" charset="0"/>
+            </a:endParaRPr>
+          </a:p>
+          <a:p>
+            <a:r>
+              <a:rPr lang="en-US" dirty="0">
+                <a:latin typeface="Calibri" panose="020F0502020204030204" pitchFamily="34" charset="0"/>
+              </a:rPr>
+              <a:t>alert(</a:t>
+            </a:r>
+            <a:r>
+              <a:rPr lang="en-US" dirty="0" err="1">
+                <a:latin typeface="Calibri" panose="020F0502020204030204" pitchFamily="34" charset="0"/>
+              </a:rPr>
+              <a:t>firstName</a:t>
+            </a:r>
+            <a:r>
+              <a:rPr lang="en-US" dirty="0">
+                <a:latin typeface="Calibri" panose="020F0502020204030204" pitchFamily="34" charset="0"/>
+              </a:rPr>
+              <a:t>); // </a:t>
+            </a:r>
+            <a:r>
+              <a:rPr lang="uk-UA" dirty="0" err="1">
+                <a:latin typeface="Calibri" panose="020F0502020204030204" pitchFamily="34" charset="0"/>
+              </a:rPr>
+              <a:t>Илья</a:t>
+            </a:r>
+            <a:r>
+              <a:rPr lang="uk-UA" dirty="0">
+                <a:latin typeface="Calibri" panose="020F0502020204030204" pitchFamily="34" charset="0"/>
+              </a:rPr>
               <a:t> </a:t>
             </a:r>
-            <a:endParaRPr lang="ru-RU" sz="2400" dirty="0" smtClean="0"/>
-          </a:p>
-          <a:p>
-            <a:endParaRPr lang="ru-RU" sz="2400" dirty="0"/>
-          </a:p>
-          <a:p>
-            <a:r>
-              <a:rPr lang="en-US" sz="2400" dirty="0" smtClean="0"/>
-              <a:t>let </a:t>
-            </a:r>
-            <a:r>
-              <a:rPr lang="en-US" sz="2400" dirty="0"/>
-              <a:t>[</a:t>
-            </a:r>
-            <a:r>
-              <a:rPr lang="en-US" sz="2400" dirty="0" err="1" smtClean="0"/>
-              <a:t>firstName</a:t>
-            </a:r>
-            <a:r>
-              <a:rPr lang="en-US" sz="2400" dirty="0"/>
-              <a:t>,</a:t>
-            </a:r>
-            <a:r>
-              <a:rPr lang="en-US" sz="2400" dirty="0" smtClean="0"/>
-              <a:t> </a:t>
-            </a:r>
-            <a:r>
-              <a:rPr lang="en-US" sz="2400" dirty="0" err="1" smtClean="0"/>
+          </a:p>
+          <a:p>
+            <a:r>
+              <a:rPr lang="en-US" dirty="0">
+                <a:latin typeface="Calibri" panose="020F0502020204030204" pitchFamily="34" charset="0"/>
+              </a:rPr>
+              <a:t>alert(</a:t>
+            </a:r>
+            <a:r>
+              <a:rPr lang="en-US" dirty="0" err="1">
+                <a:latin typeface="Calibri" panose="020F0502020204030204" pitchFamily="34" charset="0"/>
+              </a:rPr>
               <a:t>lastName</a:t>
             </a:r>
             <a:r>
-              <a:rPr lang="en-US" sz="2400" dirty="0"/>
-              <a:t>]</a:t>
-            </a:r>
-            <a:r>
-              <a:rPr lang="en-US" sz="2400" dirty="0" smtClean="0"/>
-              <a:t> </a:t>
-            </a:r>
-            <a:r>
-              <a:rPr lang="en-US" sz="2400" dirty="0"/>
-              <a:t>=</a:t>
-            </a:r>
-            <a:r>
-              <a:rPr lang="en-US" sz="2400" dirty="0" smtClean="0"/>
-              <a:t> </a:t>
-            </a:r>
-            <a:r>
-              <a:rPr lang="en-US" sz="2400" dirty="0"/>
-              <a:t>["</a:t>
-            </a:r>
-            <a:r>
-              <a:rPr lang="uk-UA" sz="2400" dirty="0" err="1"/>
-              <a:t>Илья</a:t>
-            </a:r>
-            <a:r>
-              <a:rPr lang="uk-UA" sz="2400" dirty="0"/>
-              <a:t>",</a:t>
-            </a:r>
-            <a:r>
-              <a:rPr lang="uk-UA" sz="2400" dirty="0" smtClean="0"/>
-              <a:t> </a:t>
-            </a:r>
-            <a:r>
-              <a:rPr lang="uk-UA" sz="2400" dirty="0"/>
-              <a:t>"Кантор"];</a:t>
-            </a:r>
-            <a:r>
-              <a:rPr lang="uk-UA" sz="2400" dirty="0" smtClean="0"/>
-              <a:t> </a:t>
-            </a:r>
-            <a:r>
-              <a:rPr lang="en-US" sz="2400" dirty="0" smtClean="0"/>
-              <a:t>alert</a:t>
-            </a:r>
-            <a:r>
-              <a:rPr lang="en-US" sz="2400" dirty="0"/>
-              <a:t>(</a:t>
-            </a:r>
-            <a:r>
-              <a:rPr lang="en-US" sz="2400" dirty="0" err="1" smtClean="0"/>
-              <a:t>firstName</a:t>
-            </a:r>
-            <a:r>
-              <a:rPr lang="en-US" sz="2400" dirty="0"/>
-              <a:t>);</a:t>
-            </a:r>
-            <a:r>
-              <a:rPr lang="en-US" sz="2400" dirty="0" smtClean="0"/>
-              <a:t> </a:t>
-            </a:r>
-            <a:r>
-              <a:rPr lang="en-US" sz="2400" dirty="0"/>
-              <a:t>// </a:t>
-            </a:r>
-            <a:r>
-              <a:rPr lang="uk-UA" sz="2400" dirty="0" err="1"/>
-              <a:t>Илья</a:t>
-            </a:r>
-            <a:r>
-              <a:rPr lang="uk-UA" sz="2400" dirty="0" smtClean="0"/>
-              <a:t> </a:t>
-            </a:r>
-          </a:p>
-          <a:p>
-            <a:r>
-              <a:rPr lang="en-US" sz="2400" dirty="0" smtClean="0"/>
-              <a:t>alert(</a:t>
-            </a:r>
-            <a:r>
-              <a:rPr lang="en-US" sz="2400" dirty="0" err="1" smtClean="0"/>
-              <a:t>lastName</a:t>
-            </a:r>
-            <a:r>
-              <a:rPr lang="en-US" sz="2400" dirty="0"/>
-              <a:t>);</a:t>
-            </a:r>
-            <a:r>
-              <a:rPr lang="en-US" sz="2400" dirty="0" smtClean="0"/>
-              <a:t> </a:t>
-            </a:r>
-            <a:r>
-              <a:rPr lang="en-US" sz="2400" dirty="0"/>
-              <a:t>// </a:t>
-            </a:r>
-            <a:r>
-              <a:rPr lang="uk-UA" sz="2400" dirty="0"/>
+              <a:rPr lang="en-US" dirty="0">
+                <a:latin typeface="Calibri" panose="020F0502020204030204" pitchFamily="34" charset="0"/>
+              </a:rPr>
+              <a:t>); // </a:t>
+            </a:r>
+            <a:r>
+              <a:rPr lang="uk-UA" dirty="0">
+                <a:latin typeface="Calibri" panose="020F0502020204030204" pitchFamily="34" charset="0"/>
+              </a:rPr>
               <a:t>Кантор</a:t>
             </a:r>
           </a:p>
@@ -3286,11 +2971,11 @@
           <a:lstStyle/>
           <a:p>
             <a:r>
-              <a:rPr lang="ru-RU" dirty="0" smtClean="0"/>
+              <a:rPr lang="ru-RU" dirty="0"/>
               <a:t>Функции в </a:t>
             </a:r>
             <a:r>
-              <a:rPr lang="en-US" dirty="0" smtClean="0"/>
+              <a:rPr lang="en-US" dirty="0"/>
               <a:t>ES6</a:t>
             </a:r>
             <a:endParaRPr lang="uk-UA" dirty="0"/>
@@ -3305,8 +2990,8 @@
         </p:nvSpPr>
         <p:spPr>
           <a:xfrm>
-            <a:off x="827584" y="1916832"/>
-            <a:ext cx="7344816" cy="1015663"/>
+            <a:off x="899592" y="1333217"/>
+            <a:ext cx="7344816" cy="923330"/>
           </a:xfrm>
           <a:prstGeom prst="rect">
             <a:avLst/>
@@ -3320,78 +3005,54 @@
           <a:lstStyle/>
           <a:p>
             <a:r>
-              <a:rPr lang="ru-RU" sz="2000" dirty="0">
+              <a:rPr lang="ru-RU" dirty="0">
                 <a:latin typeface="Calibri" pitchFamily="34" charset="0"/>
               </a:rPr>
               <a:t>Можно указывать </a:t>
             </a:r>
             <a:r>
-              <a:rPr lang="ru-RU" sz="2000" b="1" dirty="0">
+              <a:rPr lang="ru-RU" b="1" dirty="0">
                 <a:latin typeface="Calibri" pitchFamily="34" charset="0"/>
               </a:rPr>
               <a:t>параметры по умолчанию </a:t>
             </a:r>
             <a:r>
-              <a:rPr lang="ru-RU" sz="2000" dirty="0">
-                <a:latin typeface="Calibri" pitchFamily="34" charset="0"/>
-              </a:rPr>
-              <a:t>через равенство </a:t>
-            </a:r>
-            <a:r>
-              <a:rPr lang="ru-RU" sz="2000" dirty="0" smtClean="0">
-                <a:latin typeface="Calibri" pitchFamily="34" charset="0"/>
-              </a:rPr>
-              <a:t>=</a:t>
-            </a:r>
-            <a:r>
-              <a:rPr lang="en-US" sz="2000" dirty="0" smtClean="0">
+              <a:rPr lang="ru-RU" dirty="0">
+                <a:latin typeface="Calibri" pitchFamily="34" charset="0"/>
+              </a:rPr>
+              <a:t>через равенство =</a:t>
+            </a:r>
+            <a:r>
+              <a:rPr lang="en-US" dirty="0">
                 <a:latin typeface="Calibri" pitchFamily="34" charset="0"/>
               </a:rPr>
               <a:t>. </a:t>
             </a:r>
             <a:r>
-              <a:rPr lang="ru-RU" sz="2000" dirty="0" smtClean="0">
+              <a:rPr lang="ru-RU" dirty="0">
                 <a:latin typeface="Calibri" pitchFamily="34" charset="0"/>
               </a:rPr>
               <a:t>Параметр по умолчанию используется при отсутствующем аргументе или равном </a:t>
             </a:r>
             <a:r>
-              <a:rPr lang="ru-RU" sz="2000" dirty="0" err="1" smtClean="0">
+              <a:rPr lang="ru-RU" dirty="0" err="1">
                 <a:latin typeface="Calibri" pitchFamily="34" charset="0"/>
               </a:rPr>
               <a:t>undefined</a:t>
             </a:r>
             <a:r>
-              <a:rPr lang="en-US" sz="2000" dirty="0" smtClean="0">
+              <a:rPr lang="en-US" dirty="0">
                 <a:latin typeface="Calibri" pitchFamily="34" charset="0"/>
               </a:rPr>
               <a:t>.</a:t>
             </a:r>
             <a:r>
-              <a:rPr lang="ru-RU" sz="2000" dirty="0" smtClean="0">
-                <a:latin typeface="Calibri" pitchFamily="34" charset="0"/>
-              </a:rPr>
-              <a:t> </a:t>
-            </a:r>
-            <a:r>
-              <a:rPr lang="ru-RU" sz="2000" dirty="0">
-                <a:latin typeface="Calibri" pitchFamily="34" charset="0"/>
-              </a:rPr>
-              <a:t>Н</a:t>
-            </a:r>
-            <a:r>
-              <a:rPr lang="ru-RU" sz="2000" dirty="0" smtClean="0">
-                <a:latin typeface="Calibri" pitchFamily="34" charset="0"/>
-              </a:rPr>
-              <a:t>апример</a:t>
-            </a:r>
-            <a:r>
-              <a:rPr lang="ru-RU" sz="2000" dirty="0">
-                <a:latin typeface="Calibri" pitchFamily="34" charset="0"/>
-              </a:rPr>
-              <a:t>:</a:t>
-            </a:r>
-            <a:endParaRPr lang="uk-UA" sz="2000" dirty="0">
+              <a:rPr lang="ru-RU" dirty="0">
+                <a:latin typeface="Calibri" pitchFamily="34" charset="0"/>
+              </a:rPr>
+              <a:t> Например:</a:t>
+            </a:r>
+            <a:endParaRPr lang="uk-UA" dirty="0">
               <a:latin typeface="Calibri" pitchFamily="34" charset="0"/>
             </a:endParaRPr>
           </a:p>
@@ -3405,8 +3066,8 @@
         </p:nvSpPr>
         <p:spPr>
           <a:xfrm>
-            <a:off x="827584" y="3501008"/>
-            <a:ext cx="7488832" cy="1477328"/>
+            <a:off x="827584" y="2887776"/>
+            <a:ext cx="7488832" cy="1754326"/>
           </a:xfrm>
           <a:prstGeom prst="rect">
             <a:avLst/>
@@ -3434,18 +3095,21 @@
           <a:p>
             <a:r>
               <a:rPr lang="en-US" dirty="0">
+                <a:solidFill>
+                  <a:srgbClr val="0070C0"/>
+                </a:solidFill>
                 <a:latin typeface="Calibri" pitchFamily="34" charset="0"/>
               </a:rPr>
               <a:t>function</a:t>
             </a:r>
             <a:r>
-              <a:rPr lang="en-US" dirty="0" smtClean="0">
+              <a:rPr lang="en-US" dirty="0">
                 <a:latin typeface="Calibri" pitchFamily="34" charset="0"/>
               </a:rPr>
               <a:t> </a:t>
             </a:r>
             <a:r>
-              <a:rPr lang="en-US" dirty="0" err="1" smtClean="0">
+              <a:rPr lang="en-US" dirty="0" err="1">
                 <a:latin typeface="Calibri" pitchFamily="34" charset="0"/>
               </a:rPr>
               <a:t>showMenu</a:t>
@@ -3454,198 +3118,40 @@
               <a:rPr lang="en-US" dirty="0">
                 <a:latin typeface="Calibri" pitchFamily="34" charset="0"/>
               </a:rPr>
-              <a:t>(</a:t>
-            </a:r>
-            <a:r>
-              <a:rPr lang="en-US" dirty="0" smtClean="0">
-                <a:latin typeface="Calibri" pitchFamily="34" charset="0"/>
-              </a:rPr>
-              <a:t>title </a:t>
-            </a:r>
-            <a:r>
-              <a:rPr lang="en-US" dirty="0">
-                <a:latin typeface="Calibri" pitchFamily="34" charset="0"/>
-              </a:rPr>
-              <a:t>=</a:t>
-            </a:r>
-            <a:r>
-              <a:rPr lang="en-US" dirty="0" smtClean="0">
-                <a:latin typeface="Calibri" pitchFamily="34" charset="0"/>
-              </a:rPr>
-              <a:t> </a:t>
-            </a:r>
-            <a:r>
-              <a:rPr lang="en-US" dirty="0">
-                <a:latin typeface="Calibri" pitchFamily="34" charset="0"/>
-              </a:rPr>
-              <a:t>"</a:t>
+              <a:t>(title = "</a:t>
             </a:r>
             <a:r>
               <a:rPr lang="uk-UA" dirty="0">
                 <a:latin typeface="Calibri" pitchFamily="34" charset="0"/>
               </a:rPr>
-              <a:t>Без заголовка",</a:t>
-            </a:r>
-            <a:r>
-              <a:rPr lang="uk-UA" dirty="0" smtClean="0">
-                <a:latin typeface="Calibri" pitchFamily="34" charset="0"/>
-              </a:rPr>
-              <a:t> </a:t>
-            </a:r>
-            <a:r>
-              <a:rPr lang="en-US" dirty="0" smtClean="0">
-                <a:latin typeface="Calibri" pitchFamily="34" charset="0"/>
-              </a:rPr>
-              <a:t>width </a:t>
-            </a:r>
-            <a:r>
-              <a:rPr lang="en-US" dirty="0">
-                <a:latin typeface="Calibri" pitchFamily="34" charset="0"/>
-              </a:rPr>
-              <a:t>=</a:t>
-            </a:r>
-            <a:r>
-              <a:rPr lang="en-US" dirty="0" smtClean="0">
-                <a:latin typeface="Calibri" pitchFamily="34" charset="0"/>
-              </a:rPr>
-              <a:t> </a:t>
-            </a:r>
-            <a:r>
-              <a:rPr lang="en-US" dirty="0">
-                <a:latin typeface="Calibri" pitchFamily="34" charset="0"/>
-              </a:rPr>
-              <a:t>100,</a:t>
-            </a:r>
-            <a:r>
-              <a:rPr lang="en-US" dirty="0" smtClean="0">
-                <a:latin typeface="Calibri" pitchFamily="34" charset="0"/>
-              </a:rPr>
-              <a:t> height </a:t>
-            </a:r>
-            <a:r>
-              <a:rPr lang="en-US" dirty="0">
-                <a:latin typeface="Calibri" pitchFamily="34" charset="0"/>
-              </a:rPr>
-              <a:t>=</a:t>
-            </a:r>
-            <a:r>
-              <a:rPr lang="en-US" dirty="0" smtClean="0">
-                <a:latin typeface="Calibri" pitchFamily="34" charset="0"/>
-              </a:rPr>
-              <a:t> </a:t>
-            </a:r>
-            <a:r>
-              <a:rPr lang="en-US" dirty="0">
-                <a:latin typeface="Calibri" pitchFamily="34" charset="0"/>
-              </a:rPr>
-              <a:t>200)</a:t>
-            </a:r>
-            <a:r>
-              <a:rPr lang="en-US" dirty="0" smtClean="0">
-                <a:latin typeface="Calibri" pitchFamily="34" charset="0"/>
-              </a:rPr>
-              <a:t> </a:t>
-            </a:r>
-            <a:r>
-              <a:rPr lang="en-US" dirty="0">
-                <a:latin typeface="Calibri" pitchFamily="34" charset="0"/>
-              </a:rPr>
-              <a:t>{</a:t>
-            </a:r>
-            <a:r>
-              <a:rPr lang="en-US" dirty="0" smtClean="0">
-                <a:latin typeface="Calibri" pitchFamily="34" charset="0"/>
-              </a:rPr>
-              <a:t> 	alert(title </a:t>
-            </a:r>
-            <a:r>
-              <a:rPr lang="en-US" dirty="0">
-                <a:latin typeface="Calibri" pitchFamily="34" charset="0"/>
-              </a:rPr>
-              <a:t>+</a:t>
-            </a:r>
-            <a:r>
-              <a:rPr lang="en-US" dirty="0" smtClean="0">
-                <a:latin typeface="Calibri" pitchFamily="34" charset="0"/>
-              </a:rPr>
-              <a:t> </a:t>
-            </a:r>
-            <a:r>
-              <a:rPr lang="en-US" dirty="0">
-                <a:latin typeface="Calibri" pitchFamily="34" charset="0"/>
-              </a:rPr>
-              <a:t>' '</a:t>
-            </a:r>
-            <a:r>
-              <a:rPr lang="en-US" dirty="0" smtClean="0">
-                <a:latin typeface="Calibri" pitchFamily="34" charset="0"/>
-              </a:rPr>
-              <a:t> </a:t>
-            </a:r>
-            <a:r>
-              <a:rPr lang="en-US" dirty="0">
-                <a:latin typeface="Calibri" pitchFamily="34" charset="0"/>
-              </a:rPr>
-              <a:t>+</a:t>
-            </a:r>
-            <a:r>
-              <a:rPr lang="en-US" dirty="0" smtClean="0">
-                <a:latin typeface="Calibri" pitchFamily="34" charset="0"/>
-              </a:rPr>
-              <a:t> width </a:t>
-            </a:r>
-            <a:r>
-              <a:rPr lang="en-US" dirty="0">
-                <a:latin typeface="Calibri" pitchFamily="34" charset="0"/>
-              </a:rPr>
-              <a:t>+</a:t>
-            </a:r>
-            <a:r>
-              <a:rPr lang="en-US" dirty="0" smtClean="0">
-                <a:latin typeface="Calibri" pitchFamily="34" charset="0"/>
-              </a:rPr>
-              <a:t> </a:t>
-            </a:r>
-            <a:r>
-              <a:rPr lang="en-US" dirty="0">
-                <a:latin typeface="Calibri" pitchFamily="34" charset="0"/>
-              </a:rPr>
-              <a:t>' '</a:t>
-            </a:r>
-            <a:r>
-              <a:rPr lang="en-US" dirty="0" smtClean="0">
-                <a:latin typeface="Calibri" pitchFamily="34" charset="0"/>
-              </a:rPr>
-              <a:t> </a:t>
-            </a:r>
-            <a:r>
-              <a:rPr lang="en-US" dirty="0">
-                <a:latin typeface="Calibri" pitchFamily="34" charset="0"/>
-              </a:rPr>
-              <a:t>+</a:t>
-            </a:r>
-            <a:r>
-              <a:rPr lang="en-US" dirty="0" smtClean="0">
-                <a:latin typeface="Calibri" pitchFamily="34" charset="0"/>
-              </a:rPr>
-              <a:t> height</a:t>
-            </a:r>
-            <a:r>
-              <a:rPr lang="en-US" dirty="0">
-                <a:latin typeface="Calibri" pitchFamily="34" charset="0"/>
-              </a:rPr>
-              <a:t>);</a:t>
-            </a:r>
-            <a:r>
-              <a:rPr lang="en-US" dirty="0" smtClean="0">
-                <a:latin typeface="Calibri" pitchFamily="34" charset="0"/>
-              </a:rPr>
-              <a:t> </a:t>
-            </a:r>
-          </a:p>
-          <a:p>
-            <a:r>
-              <a:rPr lang="en-US" dirty="0" smtClean="0">
+              <a:t>Без заголовка", </a:t>
+            </a:r>
+            <a:r>
+              <a:rPr lang="en-US" dirty="0">
+                <a:latin typeface="Calibri" pitchFamily="34" charset="0"/>
+              </a:rPr>
+              <a:t>width = 100, height = 200) </a:t>
+            </a:r>
+          </a:p>
+          <a:p>
+            <a:r>
+              <a:rPr lang="en-US" dirty="0">
+                <a:latin typeface="Calibri" pitchFamily="34" charset="0"/>
+              </a:rPr>
+              <a:t>{ 	</a:t>
+            </a:r>
+          </a:p>
+          <a:p>
+            <a:r>
+              <a:rPr lang="en-US" dirty="0">
+                <a:latin typeface="Calibri" pitchFamily="34" charset="0"/>
+              </a:rPr>
+              <a:t>   alert(title + ' ' + width + ' ' + height); </a:t>
+            </a:r>
+          </a:p>
+          <a:p>
+            <a:r>
+              <a:rPr lang="en-US" dirty="0">
                 <a:latin typeface="Calibri" pitchFamily="34" charset="0"/>
               </a:rPr>
               <a:t>} </a:t>
@@ -3658,7 +3164,7 @@
           </a:p>
           <a:p>
             <a:r>
-              <a:rPr lang="en-US" dirty="0" err="1" smtClean="0">
+              <a:rPr lang="en-US" dirty="0" err="1">
                 <a:latin typeface="Calibri" pitchFamily="34" charset="0"/>
               </a:rPr>
               <a:t>showMenu</a:t>
@@ -3673,19 +3179,7 @@
               <a:rPr lang="uk-UA" dirty="0">
                 <a:latin typeface="Calibri" pitchFamily="34" charset="0"/>
               </a:rPr>
-              <a:t>Меню");</a:t>
-            </a:r>
-            <a:r>
-              <a:rPr lang="uk-UA" dirty="0" smtClean="0">
-                <a:latin typeface="Calibri" pitchFamily="34" charset="0"/>
-              </a:rPr>
-              <a:t> </a:t>
-            </a:r>
-            <a:r>
-              <a:rPr lang="uk-UA" dirty="0">
-                <a:latin typeface="Calibri" pitchFamily="34" charset="0"/>
-              </a:rPr>
-              <a:t>// </a:t>
+              <a:t>Меню"); // </a:t>
             </a:r>
             <a:r>
               <a:rPr lang="uk-UA" dirty="0" err="1">
@@ -3743,7 +3237,7 @@
           <a:lstStyle/>
           <a:p>
             <a:r>
-              <a:rPr lang="ru-RU" dirty="0" smtClean="0"/>
+              <a:rPr lang="ru-RU" dirty="0"/>
               <a:t>Функции-стрелки </a:t>
             </a:r>
             <a:endParaRPr lang="uk-UA" dirty="0"/>
@@ -3773,43 +3267,15 @@
           <a:lstStyle/>
           <a:p>
             <a:r>
-              <a:rPr lang="ru-RU" dirty="0" smtClean="0"/>
-              <a:t>Слева </a:t>
-            </a:r>
-            <a:r>
-              <a:rPr lang="ru-RU" dirty="0"/>
-              <a:t>от </a:t>
-            </a:r>
-            <a:r>
-              <a:rPr lang="ru-RU" dirty="0" smtClean="0"/>
-              <a:t>=&gt;</a:t>
-            </a:r>
-            <a:r>
-              <a:rPr lang="ru-RU" dirty="0"/>
-              <a:t> </a:t>
-            </a:r>
-            <a:r>
-              <a:rPr lang="ru-RU" dirty="0" smtClean="0"/>
-              <a:t>наход</a:t>
-            </a:r>
-            <a:r>
-              <a:rPr lang="ru-RU" dirty="0"/>
-              <a:t>я</a:t>
-            </a:r>
-            <a:r>
-              <a:rPr lang="ru-RU" dirty="0" smtClean="0"/>
-              <a:t>тся аргументы, </a:t>
-            </a:r>
-            <a:r>
-              <a:rPr lang="ru-RU" dirty="0"/>
-              <a:t>а справа – выражение, которое нужно </a:t>
-            </a:r>
-            <a:r>
-              <a:rPr lang="ru-RU" dirty="0" smtClean="0"/>
-              <a:t>вернуть</a:t>
-            </a:r>
-            <a:r>
-              <a:rPr lang="en-US" dirty="0" smtClean="0"/>
+              <a:rPr lang="ru-RU" dirty="0">
+                <a:latin typeface="Calibri" panose="020F0502020204030204" pitchFamily="34" charset="0"/>
+              </a:rPr>
+              <a:t>Слева от =&gt; находятся аргументы, а справа – выражение, которое нужно вернуть</a:t>
+            </a:r>
+            <a:r>
+              <a:rPr lang="en-US" dirty="0">
+                <a:latin typeface="Calibri" panose="020F0502020204030204" pitchFamily="34" charset="0"/>
+              </a:rPr>
               <a:t>. </a:t>
             </a:r>
           </a:p>
@@ -3851,26 +3317,47 @@
           <a:lstStyle/>
           <a:p>
             <a:r>
-              <a:rPr lang="en-US" dirty="0" smtClean="0"/>
-              <a:t>let </a:t>
-            </a:r>
-            <a:r>
-              <a:rPr lang="en-US" dirty="0" err="1" smtClean="0"/>
+              <a:rPr lang="en-US" dirty="0">
+                <a:solidFill>
+                  <a:srgbClr val="0070C0"/>
+                </a:solidFill>
+                <a:latin typeface="Calibri" panose="020F0502020204030204" pitchFamily="34" charset="0"/>
+              </a:rPr>
+              <a:t>let</a:t>
+            </a:r>
+            <a:r>
+              <a:rPr lang="en-US" dirty="0">
+                <a:latin typeface="Calibri" panose="020F0502020204030204" pitchFamily="34" charset="0"/>
+              </a:rPr>
+              <a:t> </a:t>
+            </a:r>
+            <a:r>
+              <a:rPr lang="en-US" dirty="0" err="1">
+                <a:latin typeface="Calibri" panose="020F0502020204030204" pitchFamily="34" charset="0"/>
+              </a:rPr>
               <a:t>func</a:t>
             </a:r>
             <a:r>
-              <a:rPr lang="en-US" dirty="0" smtClean="0"/>
+              <a:rPr lang="en-US" dirty="0">
+                <a:latin typeface="Calibri" panose="020F0502020204030204" pitchFamily="34" charset="0"/>
+              </a:rPr>
               <a:t> = (</a:t>
             </a:r>
             <a:r>
-              <a:rPr lang="en-US" dirty="0" err="1" smtClean="0"/>
+              <a:rPr lang="en-US" dirty="0" err="1">
+                <a:latin typeface="Calibri" panose="020F0502020204030204" pitchFamily="34" charset="0"/>
+              </a:rPr>
               <a:t>a,b</a:t>
             </a:r>
             <a:r>
-              <a:rPr lang="en-US" dirty="0" smtClean="0"/>
+              <a:rPr lang="en-US" dirty="0">
+                <a:latin typeface="Calibri" panose="020F0502020204030204" pitchFamily="34" charset="0"/>
+              </a:rPr>
               <a:t>) =&gt; a + b</a:t>
             </a:r>
-            <a:endParaRPr lang="uk-UA" dirty="0"/>
+            <a:endParaRPr lang="uk-UA" dirty="0">
+              <a:latin typeface="Calibri" panose="020F0502020204030204" pitchFamily="34" charset="0"/>
+            </a:endParaRPr>
           </a:p>
         </p:txBody>
       </p:sp>
@@ -3897,14 +3384,20 @@
           <a:lstStyle/>
           <a:p>
             <a:r>
-              <a:rPr lang="ru-RU" dirty="0" smtClean="0"/>
-              <a:t>Если нужно задать функцию без аргументов, то также используются пустые скобки</a:t>
-            </a:r>
-            <a:r>
-              <a:rPr lang="en-US" dirty="0" smtClean="0"/>
+              <a:rPr lang="ru-RU" dirty="0">
+                <a:latin typeface="Calibri" panose="020F0502020204030204" pitchFamily="34" charset="0"/>
+              </a:rPr>
+              <a:t>Если нужно задать функцию без аргументов, то используются пустые скобки</a:t>
+            </a:r>
+            <a:r>
+              <a:rPr lang="en-US" dirty="0">
+                <a:latin typeface="Calibri" panose="020F0502020204030204" pitchFamily="34" charset="0"/>
+              </a:rPr>
               <a:t>:</a:t>
             </a:r>
-            <a:endParaRPr lang="uk-UA" dirty="0"/>
+            <a:endParaRPr lang="uk-UA" dirty="0">
+              <a:latin typeface="Calibri" panose="020F0502020204030204" pitchFamily="34" charset="0"/>
+            </a:endParaRPr>
           </a:p>
         </p:txBody>
       </p:sp>
@@ -3944,22 +3437,35 @@
           <a:lstStyle/>
           <a:p>
             <a:r>
-              <a:rPr lang="en-US" dirty="0"/>
-              <a:t>l</a:t>
-            </a:r>
-            <a:r>
-              <a:rPr lang="en-US" dirty="0" smtClean="0"/>
-              <a:t>et </a:t>
-            </a:r>
-            <a:r>
-              <a:rPr lang="en-US" dirty="0" err="1" smtClean="0"/>
+              <a:rPr lang="en-US" dirty="0">
+                <a:solidFill>
+                  <a:srgbClr val="0070C0"/>
+                </a:solidFill>
+                <a:latin typeface="Calibri" panose="020F0502020204030204" pitchFamily="34" charset="0"/>
+              </a:rPr>
+              <a:t>let</a:t>
+            </a:r>
+            <a:r>
+              <a:rPr lang="en-US" dirty="0">
+                <a:latin typeface="Calibri" panose="020F0502020204030204" pitchFamily="34" charset="0"/>
+              </a:rPr>
+              <a:t> </a:t>
+            </a:r>
+            <a:r>
+              <a:rPr lang="en-US" dirty="0" err="1">
+                <a:latin typeface="Calibri" panose="020F0502020204030204" pitchFamily="34" charset="0"/>
+              </a:rPr>
               <a:t>func</a:t>
             </a:r>
             <a:r>
-              <a:rPr lang="en-US" dirty="0" smtClean="0"/>
+              <a:rPr lang="en-US" dirty="0">
+                <a:latin typeface="Calibri" panose="020F0502020204030204" pitchFamily="34" charset="0"/>
+              </a:rPr>
               <a:t> = () =&gt; ‘Hello!’</a:t>
             </a:r>
-            <a:endParaRPr lang="uk-UA" dirty="0"/>
+            <a:endParaRPr lang="uk-UA" dirty="0">
+              <a:latin typeface="Calibri" panose="020F0502020204030204" pitchFamily="34" charset="0"/>
+            </a:endParaRPr>
           </a:p>
         </p:txBody>
       </p:sp>
@@ -3986,46 +3492,32 @@
           <a:lstStyle/>
           <a:p>
             <a:r>
-              <a:rPr lang="ru-RU" dirty="0"/>
-              <a:t>Когда тело функции достаточно большое, то можно его обернуть в фигурные скобки </a:t>
-            </a:r>
-            <a:r>
-              <a:rPr lang="ru-RU" dirty="0" smtClean="0"/>
-              <a:t>{…}</a:t>
-            </a:r>
-            <a:r>
-              <a:rPr lang="en-US" dirty="0" smtClean="0"/>
+              <a:rPr lang="ru-RU" dirty="0">
+                <a:latin typeface="Calibri" panose="020F0502020204030204" pitchFamily="34" charset="0"/>
+              </a:rPr>
+              <a:t>Когда тело функции достаточно большое, то можно его обернуть в фигурные скобки {…}</a:t>
+            </a:r>
+            <a:r>
+              <a:rPr lang="en-US" dirty="0">
+                <a:latin typeface="Calibri" panose="020F0502020204030204" pitchFamily="34" charset="0"/>
+              </a:rPr>
               <a:t>. </a:t>
             </a:r>
             <a:r>
-              <a:rPr lang="ru-RU" dirty="0"/>
-              <a:t>К</a:t>
-            </a:r>
-            <a:r>
-              <a:rPr lang="ru-RU" dirty="0" smtClean="0"/>
-              <a:t>ак </a:t>
-            </a:r>
-            <a:r>
-              <a:rPr lang="ru-RU" dirty="0"/>
-              <a:t>только тело функции оборачивается в </a:t>
-            </a:r>
-            <a:r>
-              <a:rPr lang="ru-RU" dirty="0" smtClean="0"/>
-              <a:t>{…}</a:t>
-            </a:r>
-            <a:r>
-              <a:rPr lang="ru-RU" dirty="0"/>
-              <a:t>, то её результат уже не возвращается </a:t>
-            </a:r>
-            <a:r>
-              <a:rPr lang="ru-RU" dirty="0" smtClean="0"/>
-              <a:t>автоматически</a:t>
-            </a:r>
-            <a:r>
-              <a:rPr lang="en-US" dirty="0" smtClean="0"/>
+              <a:rPr lang="ru-RU" dirty="0">
+                <a:latin typeface="Calibri" panose="020F0502020204030204" pitchFamily="34" charset="0"/>
+              </a:rPr>
+              <a:t>Как только тело функции оборачивается в {…}, то её результат уже не возвращается автоматически</a:t>
+            </a:r>
+            <a:r>
+              <a:rPr lang="en-US" dirty="0">
+                <a:latin typeface="Calibri" panose="020F0502020204030204" pitchFamily="34" charset="0"/>
+              </a:rPr>
               <a:t>: </a:t>
             </a:r>
-            <a:endParaRPr lang="uk-UA" dirty="0"/>
+            <a:endParaRPr lang="uk-UA" dirty="0">
+              <a:latin typeface="Calibri" panose="020F0502020204030204" pitchFamily="34" charset="0"/>
+            </a:endParaRPr>
           </a:p>
         </p:txBody>
       </p:sp>
@@ -4065,30 +3557,62 @@
           <a:lstStyle/>
           <a:p>
             <a:r>
-              <a:rPr lang="en-US" dirty="0"/>
-              <a:t>l</a:t>
-            </a:r>
-            <a:r>
-              <a:rPr lang="en-US" dirty="0" smtClean="0"/>
-              <a:t>et </a:t>
-            </a:r>
-            <a:r>
-              <a:rPr lang="en-US" dirty="0" err="1" smtClean="0"/>
+              <a:rPr lang="en-US" dirty="0">
+                <a:solidFill>
+                  <a:srgbClr val="0070C0"/>
+                </a:solidFill>
+                <a:latin typeface="Calibri" panose="020F0502020204030204" pitchFamily="34" charset="0"/>
+              </a:rPr>
+              <a:t>let</a:t>
+            </a:r>
+            <a:r>
+              <a:rPr lang="en-US" dirty="0">
+                <a:latin typeface="Calibri" panose="020F0502020204030204" pitchFamily="34" charset="0"/>
+              </a:rPr>
+              <a:t> </a:t>
+            </a:r>
+            <a:r>
+              <a:rPr lang="en-US" dirty="0" err="1">
+                <a:latin typeface="Calibri" panose="020F0502020204030204" pitchFamily="34" charset="0"/>
+              </a:rPr>
               <a:t>func</a:t>
             </a:r>
             <a:r>
-              <a:rPr lang="en-US" dirty="0" smtClean="0"/>
+              <a:rPr lang="en-US" dirty="0">
+                <a:latin typeface="Calibri" panose="020F0502020204030204" pitchFamily="34" charset="0"/>
+              </a:rPr>
               <a:t> = (</a:t>
             </a:r>
             <a:r>
-              <a:rPr lang="en-US" dirty="0" err="1" smtClean="0"/>
+              <a:rPr lang="en-US" dirty="0" err="1">
+                <a:latin typeface="Calibri" panose="020F0502020204030204" pitchFamily="34" charset="0"/>
+              </a:rPr>
               <a:t>a,b</a:t>
             </a:r>
             <a:r>
-              <a:rPr lang="en-US" dirty="0" smtClean="0"/>
-              <a:t>) =&gt; {return a + b}</a:t>
-            </a:r>
-            <a:endParaRPr lang="uk-UA" dirty="0"/>
+              <a:rPr lang="en-US" dirty="0">
+                <a:latin typeface="Calibri" panose="020F0502020204030204" pitchFamily="34" charset="0"/>
+              </a:rPr>
+              <a:t>) =&gt; {</a:t>
+            </a:r>
+            <a:r>
+              <a:rPr lang="en-US" dirty="0">
+                <a:solidFill>
+                  <a:srgbClr val="0070C0"/>
+                </a:solidFill>
+                <a:latin typeface="Calibri" panose="020F0502020204030204" pitchFamily="34" charset="0"/>
+              </a:rPr>
+              <a:t>return</a:t>
+            </a:r>
+            <a:r>
+              <a:rPr lang="en-US" dirty="0">
+                <a:latin typeface="Calibri" panose="020F0502020204030204" pitchFamily="34" charset="0"/>
+              </a:rPr>
+              <a:t> a + b}</a:t>
+            </a:r>
+            <a:endParaRPr lang="uk-UA" dirty="0">
+              <a:latin typeface="Calibri" panose="020F0502020204030204" pitchFamily="34" charset="0"/>
+            </a:endParaRPr>
           </a:p>
         </p:txBody>
       </p:sp>
@@ -4133,7 +3657,7 @@
           <a:lstStyle/>
           <a:p>
             <a:r>
-              <a:rPr lang="ru-RU" dirty="0" smtClean="0"/>
+              <a:rPr lang="ru-RU" dirty="0"/>
               <a:t>Классы</a:t>
             </a:r>
             <a:endParaRPr lang="uk-UA" dirty="0"/>
@@ -4149,7 +3673,7 @@
         <p:spPr>
           <a:xfrm>
             <a:off x="611560" y="1340768"/>
-            <a:ext cx="7848872" cy="707886"/>
+            <a:ext cx="7848872" cy="646331"/>
           </a:xfrm>
           <a:prstGeom prst="rect">
             <a:avLst/>
@@ -4163,31 +3687,43 @@
           <a:lstStyle/>
           <a:p>
             <a:r>
-              <a:rPr lang="ru-RU" sz="2000" dirty="0">
-                <a:latin typeface="Calibri" pitchFamily="34" charset="0"/>
-              </a:rPr>
-              <a:t>Новая конструкция </a:t>
-            </a:r>
-            <a:r>
-              <a:rPr lang="ru-RU" sz="2000" dirty="0" err="1" smtClean="0">
+              <a:rPr lang="ru-RU" dirty="0">
+                <a:latin typeface="Calibri" pitchFamily="34" charset="0"/>
+              </a:rPr>
+              <a:t>Новая ко</a:t>
+            </a:r>
+            <a:r>
+              <a:rPr lang="en-US" dirty="0">
+                <a:latin typeface="Calibri" pitchFamily="34" charset="0"/>
+              </a:rPr>
+              <a:t>a</a:t>
+            </a:r>
+            <a:r>
+              <a:rPr lang="ru-RU" dirty="0" err="1">
+                <a:latin typeface="Calibri" pitchFamily="34" charset="0"/>
+              </a:rPr>
+              <a:t>нструкция</a:t>
+            </a:r>
+            <a:r>
+              <a:rPr lang="ru-RU" dirty="0">
+                <a:latin typeface="Calibri" pitchFamily="34" charset="0"/>
+              </a:rPr>
+              <a:t> </a:t>
+            </a:r>
+            <a:r>
+              <a:rPr lang="ru-RU" dirty="0" err="1">
                 <a:latin typeface="Calibri" pitchFamily="34" charset="0"/>
               </a:rPr>
               <a:t>class</a:t>
             </a:r>
             <a:r>
-              <a:rPr lang="ru-RU" sz="2000" dirty="0">
-                <a:latin typeface="Calibri" pitchFamily="34" charset="0"/>
-              </a:rPr>
-              <a:t> – удобный «синтаксический сахар» для задания конструктора вместе с прототипом</a:t>
-            </a:r>
-            <a:r>
-              <a:rPr lang="ru-RU" sz="2000" dirty="0" smtClean="0">
-                <a:latin typeface="Calibri" pitchFamily="34" charset="0"/>
-              </a:rPr>
-              <a:t>. Синтаксис</a:t>
-            </a:r>
-            <a:r>
-              <a:rPr lang="en-US" sz="2000" dirty="0" smtClean="0">
+              <a:rPr lang="ru-RU" dirty="0">
+                <a:latin typeface="Calibri" pitchFamily="34" charset="0"/>
+              </a:rPr>
+              <a:t> – удобный «синтаксический сахар» для задания конструктора вместе с прототипом. Синтаксис</a:t>
+            </a:r>
+            <a:r>
+              <a:rPr lang="en-US" dirty="0">
                 <a:latin typeface="Calibri" pitchFamily="34" charset="0"/>
               </a:rPr>
               <a:t>: </a:t>
@@ -4204,7 +3740,7 @@
         <p:spPr>
           <a:xfrm>
             <a:off x="755576" y="2204864"/>
-            <a:ext cx="4320480" cy="1323439"/>
+            <a:ext cx="4320480" cy="1200329"/>
           </a:xfrm>
           <a:prstGeom prst="rect">
             <a:avLst/>
@@ -4231,123 +3767,90 @@
           <a:lstStyle/>
           <a:p>
             <a:r>
-              <a:rPr lang="en-US" sz="2000" dirty="0">
+              <a:rPr lang="en-US" dirty="0">
+                <a:solidFill>
+                  <a:srgbClr val="0070C0"/>
+                </a:solidFill>
                 <a:latin typeface="Calibri" pitchFamily="34" charset="0"/>
               </a:rPr>
               <a:t>class</a:t>
             </a:r>
             <a:r>
-              <a:rPr lang="en-US" sz="2000" dirty="0" smtClean="0">
+              <a:rPr lang="en-US" dirty="0">
                 <a:latin typeface="Calibri" pitchFamily="34" charset="0"/>
               </a:rPr>
               <a:t> </a:t>
             </a:r>
             <a:r>
-              <a:rPr lang="uk-UA" sz="2000" dirty="0" err="1" smtClean="0">
+              <a:rPr lang="uk-UA" dirty="0" err="1">
                 <a:latin typeface="Calibri" pitchFamily="34" charset="0"/>
               </a:rPr>
               <a:t>Название</a:t>
             </a:r>
             <a:r>
-              <a:rPr lang="uk-UA" sz="2000" dirty="0" smtClean="0">
+              <a:rPr lang="uk-UA" dirty="0">
+                <a:latin typeface="Calibri" pitchFamily="34" charset="0"/>
+              </a:rPr>
+              <a:t> [</a:t>
+            </a:r>
+            <a:r>
+              <a:rPr lang="en-US" dirty="0">
+                <a:latin typeface="Calibri" pitchFamily="34" charset="0"/>
+              </a:rPr>
+              <a:t>extends </a:t>
+            </a:r>
+            <a:r>
+              <a:rPr lang="uk-UA" dirty="0">
+                <a:latin typeface="Calibri" pitchFamily="34" charset="0"/>
+              </a:rPr>
+              <a:t>Родитель] {</a:t>
+            </a:r>
+            <a:r>
+              <a:rPr lang="en-US" dirty="0">
+                <a:latin typeface="Calibri" pitchFamily="34" charset="0"/>
+              </a:rPr>
+              <a:t>    </a:t>
+            </a:r>
+          </a:p>
+          <a:p>
+            <a:r>
+              <a:rPr lang="en-US" dirty="0">
+                <a:latin typeface="Calibri" pitchFamily="34" charset="0"/>
+              </a:rPr>
+              <a:t>     constructor </a:t>
+            </a:r>
+          </a:p>
+          <a:p>
+            <a:r>
+              <a:rPr lang="en-US" dirty="0">
+                <a:latin typeface="Calibri" pitchFamily="34" charset="0"/>
+              </a:rPr>
+              <a:t>     </a:t>
+            </a:r>
+            <a:r>
+              <a:rPr lang="uk-UA" dirty="0" err="1">
+                <a:latin typeface="Calibri" pitchFamily="34" charset="0"/>
+              </a:rPr>
+              <a:t>методы</a:t>
+            </a:r>
+            <a:r>
+              <a:rPr lang="uk-UA" dirty="0">
                 <a:latin typeface="Calibri" pitchFamily="34" charset="0"/>
               </a:rPr>
               <a:t> </a:t>
             </a:r>
-            <a:r>
-              <a:rPr lang="uk-UA" sz="2000" dirty="0">
-                <a:latin typeface="Calibri" pitchFamily="34" charset="0"/>
-              </a:rPr>
-              <a:t>[</a:t>
-            </a:r>
-            <a:r>
-              <a:rPr lang="en-US" sz="2000" dirty="0">
-                <a:latin typeface="Calibri" pitchFamily="34" charset="0"/>
-              </a:rPr>
-              <a:t>extends</a:t>
-            </a:r>
-            <a:r>
-              <a:rPr lang="en-US" sz="2000" dirty="0" smtClean="0">
-                <a:latin typeface="Calibri" pitchFamily="34" charset="0"/>
-              </a:rPr>
-              <a:t> </a:t>
-            </a:r>
-            <a:r>
-              <a:rPr lang="uk-UA" sz="2000" dirty="0" smtClean="0">
-                <a:latin typeface="Calibri" pitchFamily="34" charset="0"/>
-              </a:rPr>
-              <a:t>Родитель</a:t>
-            </a:r>
-            <a:r>
-              <a:rPr lang="uk-UA" sz="2000" dirty="0">
-                <a:latin typeface="Calibri" pitchFamily="34" charset="0"/>
-              </a:rPr>
-              <a:t>]</a:t>
-            </a:r>
-            <a:r>
-              <a:rPr lang="uk-UA" sz="2000" dirty="0" smtClean="0">
-                <a:latin typeface="Calibri" pitchFamily="34" charset="0"/>
-              </a:rPr>
-              <a:t> {</a:t>
-            </a:r>
-            <a:r>
-              <a:rPr lang="en-US" sz="2000" dirty="0">
-                <a:latin typeface="Calibri" pitchFamily="34" charset="0"/>
-              </a:rPr>
-              <a:t> </a:t>
-            </a:r>
-            <a:r>
-              <a:rPr lang="en-US" sz="2000" dirty="0" smtClean="0">
-                <a:latin typeface="Calibri" pitchFamily="34" charset="0"/>
-              </a:rPr>
-              <a:t>   </a:t>
-            </a:r>
-          </a:p>
-          <a:p>
-            <a:r>
-              <a:rPr lang="en-US" sz="2000" dirty="0" smtClean="0">
-                <a:latin typeface="Calibri" pitchFamily="34" charset="0"/>
-              </a:rPr>
-              <a:t>     constructor </a:t>
-            </a:r>
-          </a:p>
-          <a:p>
-            <a:r>
-              <a:rPr lang="en-US" sz="2000" dirty="0">
-                <a:latin typeface="Calibri" pitchFamily="34" charset="0"/>
-              </a:rPr>
-              <a:t> </a:t>
-            </a:r>
-            <a:r>
-              <a:rPr lang="en-US" sz="2000" dirty="0" smtClean="0">
-                <a:latin typeface="Calibri" pitchFamily="34" charset="0"/>
-              </a:rPr>
-              <a:t>    </a:t>
-            </a:r>
-            <a:r>
-              <a:rPr lang="uk-UA" sz="2000" dirty="0" err="1" smtClean="0">
-                <a:latin typeface="Calibri" pitchFamily="34" charset="0"/>
-              </a:rPr>
-              <a:t>методы</a:t>
-            </a:r>
-            <a:r>
-              <a:rPr lang="uk-UA" sz="2000" dirty="0" smtClean="0">
-                <a:latin typeface="Calibri" pitchFamily="34" charset="0"/>
-              </a:rPr>
-              <a:t> </a:t>
-            </a:r>
-            <a:endParaRPr lang="en-US" sz="2000" dirty="0" smtClean="0">
+            <a:endParaRPr lang="en-US" dirty="0">
               <a:latin typeface="Calibri" pitchFamily="34" charset="0"/>
             </a:endParaRPr>
           </a:p>
           <a:p>
             <a:r>
-              <a:rPr lang="uk-UA" sz="2000" dirty="0" smtClean="0">
+              <a:rPr lang="uk-UA" dirty="0">
                 <a:latin typeface="Calibri" pitchFamily="34" charset="0"/>
               </a:rPr>
               <a:t>}</a:t>
             </a:r>
-            <a:endParaRPr lang="en-US" sz="2000" dirty="0" smtClean="0">
+            <a:endParaRPr lang="en-US" dirty="0">
               <a:latin typeface="Calibri" pitchFamily="34" charset="0"/>
             </a:endParaRPr>
           </a:p>
@@ -4362,7 +3865,7 @@
         <p:spPr>
           <a:xfrm>
             <a:off x="611560" y="3717032"/>
-            <a:ext cx="8136904" cy="1292662"/>
+            <a:ext cx="8136904" cy="1200329"/>
           </a:xfrm>
           <a:prstGeom prst="rect">
             <a:avLst/>
@@ -4376,43 +3879,43 @@
           <a:lstStyle/>
           <a:p>
             <a:r>
-              <a:rPr lang="ru-RU" sz="2000" dirty="0">
+              <a:rPr lang="ru-RU" dirty="0">
                 <a:latin typeface="Calibri" pitchFamily="34" charset="0"/>
               </a:rPr>
               <a:t>Также, как и </a:t>
             </a:r>
             <a:r>
-              <a:rPr lang="ru-RU" sz="2000" dirty="0" err="1">
+              <a:rPr lang="ru-RU" dirty="0" err="1">
                 <a:latin typeface="Calibri" pitchFamily="34" charset="0"/>
               </a:rPr>
               <a:t>Function</a:t>
             </a:r>
             <a:r>
-              <a:rPr lang="ru-RU" sz="2000" dirty="0">
+              <a:rPr lang="ru-RU" dirty="0">
                 <a:latin typeface="Calibri" pitchFamily="34" charset="0"/>
               </a:rPr>
               <a:t> </a:t>
             </a:r>
             <a:r>
-              <a:rPr lang="ru-RU" sz="2000" dirty="0" err="1">
+              <a:rPr lang="ru-RU" dirty="0" err="1">
                 <a:latin typeface="Calibri" pitchFamily="34" charset="0"/>
               </a:rPr>
               <a:t>Expression</a:t>
             </a:r>
             <a:r>
-              <a:rPr lang="ru-RU" sz="2000" dirty="0">
+              <a:rPr lang="ru-RU" dirty="0">
                 <a:latin typeface="Calibri" pitchFamily="34" charset="0"/>
               </a:rPr>
               <a:t>, классы можно задавать «</a:t>
             </a:r>
             <a:r>
-              <a:rPr lang="ru-RU" sz="2000" dirty="0" err="1">
+              <a:rPr lang="ru-RU" dirty="0" err="1">
                 <a:latin typeface="Calibri" pitchFamily="34" charset="0"/>
               </a:rPr>
               <a:t>инлайн</a:t>
             </a:r>
             <a:r>
-              <a:rPr lang="ru-RU" sz="2000" dirty="0">
+              <a:rPr lang="ru-RU" dirty="0">
                 <a:latin typeface="Calibri" pitchFamily="34" charset="0"/>
               </a:rPr>
               <a:t>», в любом выражении и внутри вызова функции.</a:t>
@@ -4420,36 +3923,36 @@
           </a:p>
           <a:p>
             <a:r>
-              <a:rPr lang="ru-RU" sz="2000" dirty="0">
+              <a:rPr lang="ru-RU" dirty="0">
                 <a:latin typeface="Calibri" pitchFamily="34" charset="0"/>
               </a:rPr>
               <a:t>Это называется </a:t>
             </a:r>
             <a:r>
-              <a:rPr lang="ru-RU" sz="2000" dirty="0" err="1">
+              <a:rPr lang="ru-RU" dirty="0" err="1">
                 <a:latin typeface="Calibri" pitchFamily="34" charset="0"/>
               </a:rPr>
               <a:t>Class</a:t>
             </a:r>
             <a:r>
-              <a:rPr lang="ru-RU" sz="2000" dirty="0">
+              <a:rPr lang="ru-RU" dirty="0">
                 <a:latin typeface="Calibri" pitchFamily="34" charset="0"/>
               </a:rPr>
               <a:t> </a:t>
             </a:r>
             <a:r>
-              <a:rPr lang="ru-RU" sz="2000" dirty="0" err="1" smtClean="0">
+              <a:rPr lang="ru-RU" dirty="0" err="1">
                 <a:latin typeface="Calibri" pitchFamily="34" charset="0"/>
               </a:rPr>
               <a:t>Expression</a:t>
             </a:r>
             <a:r>
-              <a:rPr lang="en-US" sz="2000" dirty="0" smtClean="0">
+              <a:rPr lang="en-US" dirty="0">
                 <a:latin typeface="Calibri" pitchFamily="34" charset="0"/>
               </a:rPr>
               <a:t>: </a:t>
             </a:r>
-            <a:endParaRPr lang="ru-RU" sz="2000" dirty="0">
+            <a:endParaRPr lang="ru-RU" dirty="0">
               <a:latin typeface="Calibri" pitchFamily="34" charset="0"/>
             </a:endParaRPr>
           </a:p>
@@ -4494,57 +3997,39 @@
           <a:lstStyle/>
           <a:p>
             <a:r>
-              <a:rPr lang="en-US" smtClean="0">
-                <a:latin typeface="Calibri" pitchFamily="34" charset="0"/>
-              </a:rPr>
-              <a:t>let </a:t>
-            </a:r>
-            <a:r>
-              <a:rPr lang="en-US" dirty="0" smtClean="0">
-                <a:latin typeface="Calibri" pitchFamily="34" charset="0"/>
-              </a:rPr>
-              <a:t>User </a:t>
-            </a:r>
-            <a:r>
-              <a:rPr lang="en-US" dirty="0">
-                <a:latin typeface="Calibri" pitchFamily="34" charset="0"/>
-              </a:rPr>
-              <a:t>=</a:t>
-            </a:r>
-            <a:r>
-              <a:rPr lang="en-US" dirty="0" smtClean="0">
-                <a:latin typeface="Calibri" pitchFamily="34" charset="0"/>
-              </a:rPr>
-              <a:t> </a:t>
-            </a:r>
-            <a:r>
-              <a:rPr lang="en-US" dirty="0">
+              <a:rPr lang="en-US" dirty="0">
+                <a:solidFill>
+                  <a:srgbClr val="0070C0"/>
+                </a:solidFill>
+                <a:latin typeface="Calibri" pitchFamily="34" charset="0"/>
+              </a:rPr>
+              <a:t>let</a:t>
+            </a:r>
+            <a:r>
+              <a:rPr lang="en-US" dirty="0">
+                <a:latin typeface="Calibri" pitchFamily="34" charset="0"/>
+              </a:rPr>
+              <a:t> User = </a:t>
+            </a:r>
+            <a:r>
+              <a:rPr lang="en-US" dirty="0">
+                <a:solidFill>
+                  <a:srgbClr val="0070C0"/>
+                </a:solidFill>
                 <a:latin typeface="Calibri" pitchFamily="34" charset="0"/>
               </a:rPr>
               <a:t>class</a:t>
             </a:r>
             <a:r>
-              <a:rPr lang="en-US" dirty="0" smtClean="0">
-                <a:latin typeface="Calibri" pitchFamily="34" charset="0"/>
-              </a:rPr>
-              <a:t> </a:t>
-            </a:r>
-            <a:r>
-              <a:rPr lang="en-US" dirty="0">
-                <a:latin typeface="Calibri" pitchFamily="34" charset="0"/>
-              </a:rPr>
-              <a:t>{</a:t>
-            </a:r>
-            <a:r>
-              <a:rPr lang="en-US" dirty="0" smtClean="0">
-                <a:latin typeface="Calibri" pitchFamily="34" charset="0"/>
-              </a:rPr>
-              <a:t> </a:t>
-            </a:r>
-          </a:p>
-          <a:p>
-            <a:r>
-              <a:rPr lang="en-US" dirty="0" err="1" smtClean="0">
+              <a:rPr lang="en-US" dirty="0">
+                <a:latin typeface="Calibri" pitchFamily="34" charset="0"/>
+              </a:rPr>
+              <a:t> { </a:t>
+            </a:r>
+          </a:p>
+          <a:p>
+            <a:r>
+              <a:rPr lang="en-US" dirty="0" err="1">
                 <a:latin typeface="Calibri" pitchFamily="34" charset="0"/>
               </a:rPr>
               <a:t>sayHi</a:t>
@@ -4553,31 +4038,7 @@
               <a:rPr lang="en-US" dirty="0">
                 <a:latin typeface="Calibri" pitchFamily="34" charset="0"/>
               </a:rPr>
-              <a:t>()</a:t>
-            </a:r>
-            <a:r>
-              <a:rPr lang="en-US" dirty="0" smtClean="0">
-                <a:latin typeface="Calibri" pitchFamily="34" charset="0"/>
-              </a:rPr>
-              <a:t> </a:t>
-            </a:r>
-            <a:r>
-              <a:rPr lang="en-US" dirty="0">
-                <a:latin typeface="Calibri" pitchFamily="34" charset="0"/>
-              </a:rPr>
-              <a:t>{</a:t>
-            </a:r>
-            <a:r>
-              <a:rPr lang="en-US" dirty="0" smtClean="0">
-                <a:latin typeface="Calibri" pitchFamily="34" charset="0"/>
-              </a:rPr>
-              <a:t> alert</a:t>
-            </a:r>
-            <a:r>
-              <a:rPr lang="en-US" dirty="0">
-                <a:latin typeface="Calibri" pitchFamily="34" charset="0"/>
-              </a:rPr>
-              <a:t>('</a:t>
+              <a:t>() { alert('</a:t>
             </a:r>
             <a:r>
               <a:rPr lang="uk-UA" dirty="0" err="1">
@@ -4589,56 +4050,41 @@
               <a:rPr lang="uk-UA" dirty="0">
                 <a:latin typeface="Calibri" pitchFamily="34" charset="0"/>
               </a:rPr>
-              <a:t>!');</a:t>
-            </a:r>
-            <a:r>
-              <a:rPr lang="uk-UA" dirty="0" smtClean="0">
-                <a:latin typeface="Calibri" pitchFamily="34" charset="0"/>
-              </a:rPr>
-              <a:t> </a:t>
-            </a:r>
-            <a:r>
-              <a:rPr lang="uk-UA" dirty="0">
-                <a:latin typeface="Calibri" pitchFamily="34" charset="0"/>
-              </a:rPr>
-              <a:t>}</a:t>
-            </a:r>
-            <a:r>
-              <a:rPr lang="uk-UA" dirty="0" smtClean="0">
-                <a:latin typeface="Calibri" pitchFamily="34" charset="0"/>
-              </a:rPr>
-              <a:t> </a:t>
-            </a:r>
-            <a:endParaRPr lang="en-US" dirty="0" smtClean="0">
+              <a:t>!'); } </a:t>
+            </a:r>
+            <a:endParaRPr lang="en-US" dirty="0">
               <a:latin typeface="Calibri" pitchFamily="34" charset="0"/>
             </a:endParaRPr>
           </a:p>
           <a:p>
             <a:r>
-              <a:rPr lang="uk-UA" dirty="0" smtClean="0">
+              <a:rPr lang="uk-UA" dirty="0">
                 <a:latin typeface="Calibri" pitchFamily="34" charset="0"/>
               </a:rPr>
               <a:t>}; </a:t>
             </a:r>
-            <a:endParaRPr lang="en-US" dirty="0" smtClean="0">
+            <a:endParaRPr lang="en-US" dirty="0">
               <a:latin typeface="Calibri" pitchFamily="34" charset="0"/>
             </a:endParaRPr>
           </a:p>
           <a:p>
             <a:r>
-              <a:rPr lang="en-US" dirty="0" smtClean="0">
-                <a:latin typeface="Calibri" pitchFamily="34" charset="0"/>
-              </a:rPr>
-              <a:t>new User</a:t>
-            </a:r>
-            <a:r>
-              <a:rPr lang="en-US" dirty="0">
-                <a:latin typeface="Calibri" pitchFamily="34" charset="0"/>
-              </a:rPr>
-              <a:t>().</a:t>
-            </a:r>
-            <a:r>
-              <a:rPr lang="en-US" dirty="0" err="1" smtClean="0">
+              <a:rPr lang="en-US" dirty="0">
+                <a:solidFill>
+                  <a:srgbClr val="0070C0"/>
+                </a:solidFill>
+                <a:latin typeface="Calibri" pitchFamily="34" charset="0"/>
+              </a:rPr>
+              <a:t>new</a:t>
+            </a:r>
+            <a:r>
+              <a:rPr lang="en-US" dirty="0">
+                <a:latin typeface="Calibri" pitchFamily="34" charset="0"/>
+              </a:rPr>
+              <a:t> User().</a:t>
+            </a:r>
+            <a:r>
+              <a:rPr lang="en-US" dirty="0" err="1">
                 <a:latin typeface="Calibri" pitchFamily="34" charset="0"/>
               </a:rPr>
               <a:t>sayHi</a:t>
